--- a/Presentasi-Kelompok-02-Rauzan Sumara.pptx
+++ b/Presentasi-Kelompok-02-Rauzan Sumara.pptx
@@ -36,22 +36,22 @@
   <p:notesSz cx="6858000" cy="9144000"/>
   <p:embeddedFontLst>
     <p:embeddedFont>
-      <p:font typeface="Maven Pro SemiBold" panose="020B0604020202020204" charset="0"/>
+      <p:font typeface="Inter" panose="020B0604020202020204" charset="0"/>
       <p:regular r:id="rId26"/>
       <p:bold r:id="rId27"/>
     </p:embeddedFont>
     <p:embeddedFont>
-      <p:font typeface="Inter SemiBold" panose="020B0604020202020204" charset="0"/>
+      <p:font typeface="Inter Medium" panose="020B0604020202020204" charset="0"/>
       <p:regular r:id="rId28"/>
       <p:bold r:id="rId29"/>
     </p:embeddedFont>
     <p:embeddedFont>
-      <p:font typeface="Inter Medium" panose="020B0604020202020204" charset="0"/>
+      <p:font typeface="Inter SemiBold" panose="020B0604020202020204" charset="0"/>
       <p:regular r:id="rId30"/>
       <p:bold r:id="rId31"/>
     </p:embeddedFont>
     <p:embeddedFont>
-      <p:font typeface="Inter" panose="020B0604020202020204" charset="0"/>
+      <p:font typeface="Maven Pro SemiBold" panose="020B0604020202020204" charset="0"/>
       <p:regular r:id="rId32"/>
       <p:bold r:id="rId33"/>
     </p:embeddedFont>
@@ -8923,15 +8923,6 @@
                 <a:sym typeface="Maven Pro SemiBold"/>
               </a:rPr>
             </a:br>
-            <a:r>
-              <a:rPr lang="en-ID" sz="1800" dirty="0">
-                <a:effectLst/>
-                <a:latin typeface="Verdana" panose="020B0604030504040204" pitchFamily="34" charset="0"/>
-                <a:ea typeface="Verdana" panose="020B0604030504040204" pitchFamily="34" charset="0"/>
-                <a:cs typeface="Verdana" panose="020B0604030504040204" pitchFamily="34" charset="0"/>
-              </a:rPr>
-              <a:t/>
-            </a:r>
             <a:br>
               <a:rPr lang="en-ID" sz="1800" dirty="0">
                 <a:effectLst/>
@@ -9326,7 +9317,7 @@
             <a:pPr>
               <a:buSzPts val="990"/>
             </a:pPr>
-            <a:r>
+            <a:br>
               <a:rPr lang="en-US" sz="2820" dirty="0">
                 <a:solidFill>
                   <a:srgbClr val="A338EB"/>
@@ -9336,18 +9327,6 @@
                 <a:cs typeface="Maven Pro SemiBold"/>
                 <a:sym typeface="Maven Pro SemiBold"/>
               </a:rPr>
-              <a:t/>
-            </a:r>
-            <a:br>
-              <a:rPr lang="en-US" sz="2820" dirty="0">
-                <a:solidFill>
-                  <a:srgbClr val="A338EB"/>
-                </a:solidFill>
-                <a:latin typeface="Maven Pro SemiBold"/>
-                <a:ea typeface="Maven Pro SemiBold"/>
-                <a:cs typeface="Maven Pro SemiBold"/>
-                <a:sym typeface="Maven Pro SemiBold"/>
-              </a:rPr>
             </a:br>
             <a:r>
               <a:rPr lang="en-US" sz="1800" dirty="0">
@@ -9358,26 +9337,7 @@
                 <a:ea typeface="Verdana" panose="020B0604030504040204" pitchFamily="34" charset="0"/>
                 <a:cs typeface="Verdana" panose="020B0604030504040204" pitchFamily="34" charset="0"/>
               </a:rPr>
-              <a:t>Numerical </a:t>
-            </a:r>
-            <a:r>
-              <a:rPr lang="en-US" sz="1800" dirty="0" smtClean="0">
-                <a:solidFill>
-                  <a:srgbClr val="585858"/>
-                </a:solidFill>
-                <a:latin typeface="Arial" panose="020B0604020202020204" pitchFamily="34" charset="0"/>
-                <a:ea typeface="Verdana" panose="020B0604030504040204" pitchFamily="34" charset="0"/>
-                <a:cs typeface="Verdana" panose="020B0604030504040204" pitchFamily="34" charset="0"/>
-              </a:rPr>
-              <a:t>Features</a:t>
-            </a:r>
-            <a:r>
-              <a:rPr lang="en-US" sz="1800" dirty="0">
-                <a:latin typeface="Verdana" panose="020B0604030504040204" pitchFamily="34" charset="0"/>
-                <a:ea typeface="Verdana" panose="020B0604030504040204" pitchFamily="34" charset="0"/>
-                <a:cs typeface="Verdana" panose="020B0604030504040204" pitchFamily="34" charset="0"/>
-              </a:rPr>
-              <a:t/>
+              <a:t>Numerical Features</a:t>
             </a:r>
             <a:br>
               <a:rPr lang="en-US" sz="1800" dirty="0">
@@ -9683,15 +9643,6 @@
                 <a:sym typeface="Maven Pro SemiBold"/>
               </a:rPr>
             </a:br>
-            <a:r>
-              <a:rPr lang="en-ID" sz="1800" dirty="0">
-                <a:effectLst/>
-                <a:latin typeface="Verdana" panose="020B0604030504040204" pitchFamily="34" charset="0"/>
-                <a:ea typeface="Verdana" panose="020B0604030504040204" pitchFamily="34" charset="0"/>
-                <a:cs typeface="Verdana" panose="020B0604030504040204" pitchFamily="34" charset="0"/>
-              </a:rPr>
-              <a:t/>
-            </a:r>
             <a:br>
               <a:rPr lang="en-ID" sz="1800" dirty="0">
                 <a:effectLst/>
@@ -10058,7 +10009,7 @@
               <a:buSzPts val="990"/>
             </a:pPr>
             <a:r>
-              <a:rPr lang="en-US" sz="2820" dirty="0" err="1" smtClean="0">
+              <a:rPr lang="en-US" sz="2820" dirty="0" err="1">
                 <a:solidFill>
                   <a:srgbClr val="A338EB"/>
                 </a:solidFill>
@@ -10637,7 +10588,7 @@
           <a:p>
             <a:pPr marL="285750" indent="-285750"/>
             <a:r>
-              <a:rPr lang="en-US" sz="1500" dirty="0" err="1" smtClean="0">
+              <a:rPr lang="en-US" sz="1500" dirty="0" err="1">
                 <a:solidFill>
                   <a:srgbClr val="282828"/>
                 </a:solidFill>
@@ -10649,7 +10600,7 @@
               <a:t>Membagi</a:t>
             </a:r>
             <a:r>
-              <a:rPr lang="en-US" sz="1500" dirty="0" smtClean="0">
+              <a:rPr lang="en-US" sz="1500" dirty="0">
                 <a:solidFill>
                   <a:srgbClr val="282828"/>
                 </a:solidFill>
@@ -10661,7 +10612,7 @@
               <a:t> </a:t>
             </a:r>
             <a:r>
-              <a:rPr lang="en-US" sz="1500" dirty="0" err="1" smtClean="0">
+              <a:rPr lang="en-US" sz="1500" dirty="0" err="1">
                 <a:solidFill>
                   <a:srgbClr val="282828"/>
                 </a:solidFill>
@@ -10673,7 +10624,7 @@
               <a:t>menjadi</a:t>
             </a:r>
             <a:r>
-              <a:rPr lang="en-US" sz="1500" dirty="0" smtClean="0">
+              <a:rPr lang="en-US" sz="1500" dirty="0">
                 <a:solidFill>
                   <a:srgbClr val="282828"/>
                 </a:solidFill>
@@ -10685,7 +10636,7 @@
               <a:t> 4 variable </a:t>
             </a:r>
             <a:r>
-              <a:rPr lang="en-US" sz="1500" dirty="0" err="1" smtClean="0">
+              <a:rPr lang="en-US" sz="1500" dirty="0" err="1">
                 <a:solidFill>
                   <a:srgbClr val="282828"/>
                 </a:solidFill>
@@ -10697,7 +10648,7 @@
               <a:t>yaitu</a:t>
             </a:r>
             <a:r>
-              <a:rPr lang="en-US" sz="1500" dirty="0" smtClean="0">
+              <a:rPr lang="en-US" sz="1500" dirty="0">
                 <a:solidFill>
                   <a:srgbClr val="282828"/>
                 </a:solidFill>
@@ -10709,7 +10660,7 @@
               <a:t> : </a:t>
             </a:r>
             <a:r>
-              <a:rPr lang="en-US" sz="1500" dirty="0" err="1" smtClean="0">
+              <a:rPr lang="en-US" sz="1500" dirty="0" err="1">
                 <a:solidFill>
                   <a:srgbClr val="282828"/>
                 </a:solidFill>
@@ -10721,7 +10672,7 @@
               <a:t>X_train</a:t>
             </a:r>
             <a:r>
-              <a:rPr lang="en-US" sz="1500" dirty="0" smtClean="0">
+              <a:rPr lang="en-US" sz="1500" dirty="0">
                 <a:solidFill>
                   <a:srgbClr val="282828"/>
                 </a:solidFill>
@@ -10733,7 +10684,7 @@
               <a:t>, </a:t>
             </a:r>
             <a:r>
-              <a:rPr lang="en-US" sz="1500" dirty="0" err="1" smtClean="0">
+              <a:rPr lang="en-US" sz="1500" dirty="0" err="1">
                 <a:solidFill>
                   <a:srgbClr val="282828"/>
                 </a:solidFill>
@@ -10745,7 +10696,7 @@
               <a:t>X_test</a:t>
             </a:r>
             <a:r>
-              <a:rPr lang="en-US" sz="1500" dirty="0" smtClean="0">
+              <a:rPr lang="en-US" sz="1500" dirty="0">
                 <a:solidFill>
                   <a:srgbClr val="282828"/>
                 </a:solidFill>
@@ -10757,7 +10708,7 @@
               <a:t>, </a:t>
             </a:r>
             <a:r>
-              <a:rPr lang="en-US" sz="1500" dirty="0" err="1" smtClean="0">
+              <a:rPr lang="en-US" sz="1500" dirty="0" err="1">
                 <a:solidFill>
                   <a:srgbClr val="282828"/>
                 </a:solidFill>
@@ -10769,7 +10720,7 @@
               <a:t>y_train</a:t>
             </a:r>
             <a:r>
-              <a:rPr lang="en-US" sz="1500" dirty="0" smtClean="0">
+              <a:rPr lang="en-US" sz="1500" dirty="0">
                 <a:solidFill>
                   <a:srgbClr val="282828"/>
                 </a:solidFill>
@@ -10781,7 +10732,7 @@
               <a:t>, </a:t>
             </a:r>
             <a:r>
-              <a:rPr lang="en-US" sz="1500" dirty="0" err="1" smtClean="0">
+              <a:rPr lang="en-US" sz="1500" dirty="0" err="1">
                 <a:solidFill>
                   <a:srgbClr val="282828"/>
                 </a:solidFill>
@@ -10793,7 +10744,7 @@
               <a:t>y_test</a:t>
             </a:r>
             <a:r>
-              <a:rPr lang="en-US" sz="1500" dirty="0" smtClean="0">
+              <a:rPr lang="en-US" sz="1500" dirty="0">
                 <a:solidFill>
                   <a:srgbClr val="282828"/>
                 </a:solidFill>
@@ -10820,7 +10771,7 @@
               <a:t>x </a:t>
             </a:r>
             <a:r>
-              <a:rPr lang="en-US" sz="1500" dirty="0" err="1" smtClean="0">
+              <a:rPr lang="en-US" sz="1500" dirty="0" err="1">
                 <a:solidFill>
                   <a:srgbClr val="282828"/>
                 </a:solidFill>
@@ -10832,7 +10783,7 @@
               <a:t>merupakan</a:t>
             </a:r>
             <a:r>
-              <a:rPr lang="en-US" sz="1500" dirty="0" smtClean="0">
+              <a:rPr lang="en-US" sz="1500" dirty="0">
                 <a:solidFill>
                   <a:srgbClr val="282828"/>
                 </a:solidFill>
@@ -10844,7 +10795,7 @@
               <a:t> variable yang </a:t>
             </a:r>
             <a:r>
-              <a:rPr lang="en-US" sz="1500" dirty="0" err="1" smtClean="0">
+              <a:rPr lang="en-US" sz="1500" dirty="0" err="1">
                 <a:solidFill>
                   <a:srgbClr val="282828"/>
                 </a:solidFill>
@@ -10856,7 +10807,7 @@
               <a:t>berisikan</a:t>
             </a:r>
             <a:r>
-              <a:rPr lang="en-US" sz="1500" dirty="0" smtClean="0">
+              <a:rPr lang="en-US" sz="1500" dirty="0">
                 <a:solidFill>
                   <a:srgbClr val="282828"/>
                 </a:solidFill>
@@ -10868,7 +10819,7 @@
               <a:t> data </a:t>
             </a:r>
             <a:r>
-              <a:rPr lang="en-US" sz="1500" dirty="0" err="1" smtClean="0">
+              <a:rPr lang="en-US" sz="1500" dirty="0" err="1">
                 <a:solidFill>
                   <a:srgbClr val="282828"/>
                 </a:solidFill>
@@ -10880,7 +10831,7 @@
               <a:t>kolom</a:t>
             </a:r>
             <a:r>
-              <a:rPr lang="en-US" sz="1500" dirty="0" smtClean="0">
+              <a:rPr lang="en-US" sz="1500" dirty="0">
                 <a:solidFill>
                   <a:srgbClr val="282828"/>
                 </a:solidFill>
@@ -10892,7 +10843,7 @@
               <a:t> </a:t>
             </a:r>
             <a:r>
-              <a:rPr lang="en-US" sz="1500" dirty="0" err="1" smtClean="0">
+              <a:rPr lang="en-US" sz="1500" dirty="0" err="1">
                 <a:solidFill>
                   <a:srgbClr val="282828"/>
                 </a:solidFill>
@@ -10904,7 +10855,7 @@
               <a:t>selain</a:t>
             </a:r>
             <a:r>
-              <a:rPr lang="en-US" sz="1500" dirty="0" smtClean="0">
+              <a:rPr lang="en-US" sz="1500" dirty="0">
                 <a:solidFill>
                   <a:srgbClr val="282828"/>
                 </a:solidFill>
@@ -10916,7 +10867,7 @@
               <a:t> price range, </a:t>
             </a:r>
             <a:r>
-              <a:rPr lang="en-US" sz="1500" dirty="0" err="1" smtClean="0">
+              <a:rPr lang="en-US" sz="1500" dirty="0" err="1">
                 <a:solidFill>
                   <a:srgbClr val="282828"/>
                 </a:solidFill>
@@ -10928,7 +10879,7 @@
               <a:t>sementara</a:t>
             </a:r>
             <a:r>
-              <a:rPr lang="en-US" sz="1500" dirty="0" smtClean="0">
+              <a:rPr lang="en-US" sz="1500" dirty="0">
                 <a:solidFill>
                   <a:srgbClr val="282828"/>
                 </a:solidFill>
@@ -10940,7 +10891,7 @@
               <a:t> y </a:t>
             </a:r>
             <a:r>
-              <a:rPr lang="en-US" sz="1500" dirty="0" err="1" smtClean="0">
+              <a:rPr lang="en-US" sz="1500" dirty="0" err="1">
                 <a:solidFill>
                   <a:srgbClr val="282828"/>
                 </a:solidFill>
@@ -10952,7 +10903,7 @@
               <a:t>berisikan</a:t>
             </a:r>
             <a:r>
-              <a:rPr lang="en-US" sz="1500" dirty="0" smtClean="0">
+              <a:rPr lang="en-US" sz="1500" dirty="0">
                 <a:solidFill>
                   <a:srgbClr val="282828"/>
                 </a:solidFill>
@@ -10964,7 +10915,7 @@
               <a:t> </a:t>
             </a:r>
             <a:r>
-              <a:rPr lang="en-US" sz="1500" dirty="0" err="1" smtClean="0">
+              <a:rPr lang="en-US" sz="1500" dirty="0" err="1">
                 <a:solidFill>
                   <a:srgbClr val="282828"/>
                 </a:solidFill>
@@ -10976,7 +10927,7 @@
               <a:t>kolom</a:t>
             </a:r>
             <a:r>
-              <a:rPr lang="en-US" sz="1500" dirty="0" smtClean="0">
+              <a:rPr lang="en-US" sz="1500" dirty="0">
                 <a:solidFill>
                   <a:srgbClr val="282828"/>
                 </a:solidFill>
@@ -10991,7 +10942,7 @@
           <a:p>
             <a:pPr marL="285750" indent="-285750"/>
             <a:r>
-              <a:rPr lang="en-US" sz="1500" dirty="0" err="1" smtClean="0">
+              <a:rPr lang="en-US" sz="1500" dirty="0" err="1">
                 <a:solidFill>
                   <a:srgbClr val="282828"/>
                 </a:solidFill>
@@ -11003,7 +10954,7 @@
               <a:t>Mengambil</a:t>
             </a:r>
             <a:r>
-              <a:rPr lang="en-US" sz="1500" dirty="0" smtClean="0">
+              <a:rPr lang="en-US" sz="1500" dirty="0">
                 <a:solidFill>
                   <a:srgbClr val="282828"/>
                 </a:solidFill>
@@ -11015,7 +10966,7 @@
               <a:t> data train </a:t>
             </a:r>
             <a:r>
-              <a:rPr lang="en-US" sz="1500" dirty="0" err="1" smtClean="0">
+              <a:rPr lang="en-US" sz="1500" dirty="0" err="1">
                 <a:solidFill>
                   <a:srgbClr val="282828"/>
                 </a:solidFill>
@@ -11027,7 +10978,7 @@
               <a:t>sebesar</a:t>
             </a:r>
             <a:r>
-              <a:rPr lang="en-US" sz="1500" dirty="0" smtClean="0">
+              <a:rPr lang="en-US" sz="1500" dirty="0">
                 <a:solidFill>
                   <a:srgbClr val="282828"/>
                 </a:solidFill>
@@ -11039,7 +10990,7 @@
               <a:t> 80% </a:t>
             </a:r>
             <a:r>
-              <a:rPr lang="en-US" sz="1500" dirty="0" err="1" smtClean="0">
+              <a:rPr lang="en-US" sz="1500" dirty="0" err="1">
                 <a:solidFill>
                   <a:srgbClr val="282828"/>
                 </a:solidFill>
@@ -11051,7 +11002,7 @@
               <a:t>dan</a:t>
             </a:r>
             <a:r>
-              <a:rPr lang="en-US" sz="1500" dirty="0" smtClean="0">
+              <a:rPr lang="en-US" sz="1500" dirty="0">
                 <a:solidFill>
                   <a:srgbClr val="282828"/>
                 </a:solidFill>
@@ -11063,7 +11014,7 @@
               <a:t> data test </a:t>
             </a:r>
             <a:r>
-              <a:rPr lang="en-US" sz="1500" dirty="0" err="1" smtClean="0">
+              <a:rPr lang="en-US" sz="1500" dirty="0" err="1">
                 <a:solidFill>
                   <a:srgbClr val="282828"/>
                 </a:solidFill>
@@ -11075,7 +11026,7 @@
               <a:t>sebesar</a:t>
             </a:r>
             <a:r>
-              <a:rPr lang="en-US" sz="1500" dirty="0" smtClean="0">
+              <a:rPr lang="en-US" sz="1500" dirty="0">
                 <a:solidFill>
                   <a:srgbClr val="282828"/>
                 </a:solidFill>
@@ -11314,7 +11265,7 @@
               <a:buNone/>
             </a:pPr>
             <a:r>
-              <a:rPr lang="en" sz="2820" dirty="0" smtClean="0">
+              <a:rPr lang="en" sz="2820" dirty="0">
                 <a:solidFill>
                   <a:srgbClr val="A338EB"/>
                 </a:solidFill>
@@ -11465,7 +11416,7 @@
               <a:buChar char="-"/>
             </a:pPr>
             <a:r>
-              <a:rPr lang="en-US" sz="1500" dirty="0" err="1" smtClean="0">
+              <a:rPr lang="en-US" sz="1500" dirty="0" err="1">
                 <a:solidFill>
                   <a:srgbClr val="282828"/>
                 </a:solidFill>
@@ -11477,7 +11428,7 @@
               <a:t>Melakukan</a:t>
             </a:r>
             <a:r>
-              <a:rPr lang="en-US" sz="1500" dirty="0" smtClean="0">
+              <a:rPr lang="en-US" sz="1500" dirty="0">
                 <a:solidFill>
                   <a:srgbClr val="282828"/>
                 </a:solidFill>
@@ -11489,7 +11440,7 @@
               <a:t> import </a:t>
             </a:r>
             <a:r>
-              <a:rPr lang="en-US" sz="1500" dirty="0" err="1" smtClean="0">
+              <a:rPr lang="en-US" sz="1500" dirty="0" err="1">
                 <a:solidFill>
                   <a:srgbClr val="282828"/>
                 </a:solidFill>
@@ -11501,7 +11452,7 @@
               <a:t>sklearn</a:t>
             </a:r>
             <a:r>
-              <a:rPr lang="en-US" sz="1500" dirty="0" smtClean="0">
+              <a:rPr lang="en-US" sz="1500" dirty="0">
                 <a:solidFill>
                   <a:srgbClr val="282828"/>
                 </a:solidFill>
@@ -11513,7 +11464,7 @@
               <a:t> </a:t>
             </a:r>
             <a:r>
-              <a:rPr lang="en-US" sz="1500" dirty="0" err="1" smtClean="0">
+              <a:rPr lang="en-US" sz="1500" dirty="0" err="1">
                 <a:solidFill>
                   <a:srgbClr val="282828"/>
                 </a:solidFill>
@@ -11525,7 +11476,7 @@
               <a:t>untuk</a:t>
             </a:r>
             <a:r>
-              <a:rPr lang="en-US" sz="1500" dirty="0" smtClean="0">
+              <a:rPr lang="en-US" sz="1500" dirty="0">
                 <a:solidFill>
                   <a:srgbClr val="282828"/>
                 </a:solidFill>
@@ -11553,7 +11504,7 @@
               <a:buChar char="-"/>
             </a:pPr>
             <a:r>
-              <a:rPr lang="en-US" sz="1500" dirty="0" err="1" smtClean="0">
+              <a:rPr lang="en-US" sz="1500" dirty="0" err="1">
                 <a:solidFill>
                   <a:srgbClr val="282828"/>
                 </a:solidFill>
@@ -11565,7 +11516,7 @@
               <a:t>Membuat</a:t>
             </a:r>
             <a:r>
-              <a:rPr lang="en-US" sz="1500" dirty="0" smtClean="0">
+              <a:rPr lang="en-US" sz="1500" dirty="0">
                 <a:solidFill>
                   <a:srgbClr val="282828"/>
                 </a:solidFill>
@@ -11577,7 +11528,7 @@
               <a:t> variable GNB </a:t>
             </a:r>
             <a:r>
-              <a:rPr lang="en-US" sz="1500" dirty="0" err="1" smtClean="0">
+              <a:rPr lang="en-US" sz="1500" dirty="0" err="1">
                 <a:solidFill>
                   <a:srgbClr val="282828"/>
                 </a:solidFill>
@@ -11589,7 +11540,7 @@
               <a:t>sebagai</a:t>
             </a:r>
             <a:r>
-              <a:rPr lang="en-US" sz="1500" dirty="0" smtClean="0">
+              <a:rPr lang="en-US" sz="1500" dirty="0">
                 <a:solidFill>
                   <a:srgbClr val="282828"/>
                 </a:solidFill>
@@ -11617,7 +11568,7 @@
               <a:buChar char="-"/>
             </a:pPr>
             <a:r>
-              <a:rPr lang="en-US" sz="1500" dirty="0" err="1" smtClean="0">
+              <a:rPr lang="en-US" sz="1500" dirty="0" err="1">
                 <a:solidFill>
                   <a:srgbClr val="282828"/>
                 </a:solidFill>
@@ -11629,7 +11580,7 @@
               <a:t>Dilakukan</a:t>
             </a:r>
             <a:r>
-              <a:rPr lang="en-US" sz="1500" dirty="0" smtClean="0">
+              <a:rPr lang="en-US" sz="1500" dirty="0">
                 <a:solidFill>
                   <a:srgbClr val="282828"/>
                 </a:solidFill>
@@ -11641,7 +11592,7 @@
               <a:t> fit </a:t>
             </a:r>
             <a:r>
-              <a:rPr lang="en-US" sz="1500" dirty="0" err="1" smtClean="0">
+              <a:rPr lang="en-US" sz="1500" dirty="0" err="1">
                 <a:solidFill>
                   <a:srgbClr val="282828"/>
                 </a:solidFill>
@@ -11653,7 +11604,7 @@
               <a:t>dengan</a:t>
             </a:r>
             <a:r>
-              <a:rPr lang="en-US" sz="1500" dirty="0" smtClean="0">
+              <a:rPr lang="en-US" sz="1500" dirty="0">
                 <a:solidFill>
                   <a:srgbClr val="282828"/>
                 </a:solidFill>
@@ -11665,7 +11616,7 @@
               <a:t> model GNB </a:t>
             </a:r>
             <a:r>
-              <a:rPr lang="en-US" sz="1500" dirty="0" err="1" smtClean="0">
+              <a:rPr lang="en-US" sz="1500" dirty="0" err="1">
                 <a:solidFill>
                   <a:srgbClr val="282828"/>
                 </a:solidFill>
@@ -11677,7 +11628,7 @@
               <a:t>pada</a:t>
             </a:r>
             <a:r>
-              <a:rPr lang="en-US" sz="1500" dirty="0" smtClean="0">
+              <a:rPr lang="en-US" sz="1500" dirty="0">
                 <a:solidFill>
                   <a:srgbClr val="282828"/>
                 </a:solidFill>
@@ -11689,7 +11640,7 @@
               <a:t> </a:t>
             </a:r>
             <a:r>
-              <a:rPr lang="en-US" sz="1500" dirty="0" err="1" smtClean="0">
+              <a:rPr lang="en-US" sz="1500" dirty="0" err="1">
                 <a:solidFill>
                   <a:srgbClr val="282828"/>
                 </a:solidFill>
@@ -11701,7 +11652,7 @@
               <a:t>x_train</a:t>
             </a:r>
             <a:r>
-              <a:rPr lang="en-US" sz="1500" dirty="0" smtClean="0">
+              <a:rPr lang="en-US" sz="1500" dirty="0">
                 <a:solidFill>
                   <a:srgbClr val="282828"/>
                 </a:solidFill>
@@ -11713,7 +11664,7 @@
               <a:t> </a:t>
             </a:r>
             <a:r>
-              <a:rPr lang="en-US" sz="1500" dirty="0" err="1" smtClean="0">
+              <a:rPr lang="en-US" sz="1500" dirty="0" err="1">
                 <a:solidFill>
                   <a:srgbClr val="282828"/>
                 </a:solidFill>
@@ -11725,7 +11676,7 @@
               <a:t>dan</a:t>
             </a:r>
             <a:r>
-              <a:rPr lang="en-US" sz="1500" dirty="0" smtClean="0">
+              <a:rPr lang="en-US" sz="1500" dirty="0">
                 <a:solidFill>
                   <a:srgbClr val="282828"/>
                 </a:solidFill>
@@ -11737,7 +11688,7 @@
               <a:t> </a:t>
             </a:r>
             <a:r>
-              <a:rPr lang="en-US" sz="1500" dirty="0" err="1" smtClean="0">
+              <a:rPr lang="en-US" sz="1500" dirty="0" err="1">
                 <a:solidFill>
                   <a:srgbClr val="282828"/>
                 </a:solidFill>
@@ -11749,7 +11700,7 @@
               <a:t>y_train</a:t>
             </a:r>
             <a:r>
-              <a:rPr lang="en-US" sz="1500" dirty="0" smtClean="0">
+              <a:rPr lang="en-US" sz="1500" dirty="0">
                 <a:solidFill>
                   <a:srgbClr val="282828"/>
                 </a:solidFill>
@@ -11761,7 +11712,7 @@
               <a:t> </a:t>
             </a:r>
             <a:r>
-              <a:rPr lang="en-US" sz="1500" dirty="0" err="1" smtClean="0">
+              <a:rPr lang="en-US" sz="1500" dirty="0" err="1">
                 <a:solidFill>
                   <a:srgbClr val="282828"/>
                 </a:solidFill>
@@ -11773,7 +11724,7 @@
               <a:t>dan</a:t>
             </a:r>
             <a:r>
-              <a:rPr lang="en-US" sz="1500" dirty="0" smtClean="0">
+              <a:rPr lang="en-US" sz="1500" dirty="0">
                 <a:solidFill>
                   <a:srgbClr val="282828"/>
                 </a:solidFill>
@@ -11785,7 +11736,7 @@
               <a:t> </a:t>
             </a:r>
             <a:r>
-              <a:rPr lang="en-US" sz="1500" dirty="0" err="1" smtClean="0">
+              <a:rPr lang="en-US" sz="1500" dirty="0" err="1">
                 <a:solidFill>
                   <a:srgbClr val="282828"/>
                 </a:solidFill>
@@ -11797,7 +11748,7 @@
               <a:t>didapatkan</a:t>
             </a:r>
             <a:r>
-              <a:rPr lang="en-US" sz="1500" dirty="0" smtClean="0">
+              <a:rPr lang="en-US" sz="1500" dirty="0">
                 <a:solidFill>
                   <a:srgbClr val="282828"/>
                 </a:solidFill>
@@ -11809,7 +11760,7 @@
               <a:t> test accuracy </a:t>
             </a:r>
             <a:r>
-              <a:rPr lang="en-US" sz="1500" dirty="0" err="1" smtClean="0">
+              <a:rPr lang="en-US" sz="1500" dirty="0" err="1">
                 <a:solidFill>
                   <a:srgbClr val="282828"/>
                 </a:solidFill>
@@ -11821,7 +11772,7 @@
               <a:t>sebesar</a:t>
             </a:r>
             <a:r>
-              <a:rPr lang="en-US" sz="1500" dirty="0" smtClean="0">
+              <a:rPr lang="en-US" sz="1500" dirty="0">
                 <a:solidFill>
                   <a:srgbClr val="282828"/>
                 </a:solidFill>
@@ -12060,7 +12011,7 @@
               <a:buNone/>
             </a:pPr>
             <a:r>
-              <a:rPr lang="en-US" sz="2820" dirty="0" smtClean="0">
+              <a:rPr lang="en-US" sz="2820" dirty="0">
                 <a:solidFill>
                   <a:srgbClr val="A338EB"/>
                 </a:solidFill>
@@ -12211,7 +12162,7 @@
               <a:buChar char="-"/>
             </a:pPr>
             <a:r>
-              <a:rPr lang="en-US" sz="1500" dirty="0" err="1" smtClean="0">
+              <a:rPr lang="en-US" sz="1500" dirty="0" err="1">
                 <a:solidFill>
                   <a:srgbClr val="282828"/>
                 </a:solidFill>
@@ -12223,7 +12174,7 @@
               <a:t>Melakukan</a:t>
             </a:r>
             <a:r>
-              <a:rPr lang="en-US" sz="1500" dirty="0" smtClean="0">
+              <a:rPr lang="en-US" sz="1500" dirty="0">
                 <a:solidFill>
                   <a:srgbClr val="282828"/>
                 </a:solidFill>
@@ -12235,7 +12186,7 @@
               <a:t> import </a:t>
             </a:r>
             <a:r>
-              <a:rPr lang="en-US" sz="1500" dirty="0" err="1" smtClean="0">
+              <a:rPr lang="en-US" sz="1500" dirty="0" err="1">
                 <a:solidFill>
                   <a:srgbClr val="282828"/>
                 </a:solidFill>
@@ -12247,7 +12198,7 @@
               <a:t>sklearn</a:t>
             </a:r>
             <a:r>
-              <a:rPr lang="en-US" sz="1500" dirty="0" smtClean="0">
+              <a:rPr lang="en-US" sz="1500" dirty="0">
                 <a:solidFill>
                   <a:srgbClr val="282828"/>
                 </a:solidFill>
@@ -12259,7 +12210,7 @@
               <a:t> </a:t>
             </a:r>
             <a:r>
-              <a:rPr lang="en-US" sz="1500" dirty="0" err="1" smtClean="0">
+              <a:rPr lang="en-US" sz="1500" dirty="0" err="1">
                 <a:solidFill>
                   <a:srgbClr val="282828"/>
                 </a:solidFill>
@@ -12271,7 +12222,7 @@
               <a:t>untuk</a:t>
             </a:r>
             <a:r>
-              <a:rPr lang="en-US" sz="1500" dirty="0" smtClean="0">
+              <a:rPr lang="en-US" sz="1500" dirty="0">
                 <a:solidFill>
                   <a:srgbClr val="282828"/>
                 </a:solidFill>
@@ -12299,7 +12250,7 @@
               <a:buChar char="-"/>
             </a:pPr>
             <a:r>
-              <a:rPr lang="en-US" sz="1500" dirty="0" err="1" smtClean="0">
+              <a:rPr lang="en-US" sz="1500" dirty="0" err="1">
                 <a:solidFill>
                   <a:srgbClr val="282828"/>
                 </a:solidFill>
@@ -12311,7 +12262,7 @@
               <a:t>Membuat</a:t>
             </a:r>
             <a:r>
-              <a:rPr lang="en-US" sz="1500" dirty="0" smtClean="0">
+              <a:rPr lang="en-US" sz="1500" dirty="0">
                 <a:solidFill>
                   <a:srgbClr val="282828"/>
                 </a:solidFill>
@@ -12323,7 +12274,7 @@
               <a:t> variable </a:t>
             </a:r>
             <a:r>
-              <a:rPr lang="en-US" sz="1500" dirty="0" err="1" smtClean="0">
+              <a:rPr lang="en-US" sz="1500" dirty="0" err="1">
                 <a:solidFill>
                   <a:srgbClr val="282828"/>
                 </a:solidFill>
@@ -12335,7 +12286,7 @@
               <a:t>rfc</a:t>
             </a:r>
             <a:r>
-              <a:rPr lang="en-US" sz="1500" dirty="0" smtClean="0">
+              <a:rPr lang="en-US" sz="1500" dirty="0">
                 <a:solidFill>
                   <a:srgbClr val="282828"/>
                 </a:solidFill>
@@ -12347,7 +12298,7 @@
               <a:t> </a:t>
             </a:r>
             <a:r>
-              <a:rPr lang="en-US" sz="1500" dirty="0" err="1" smtClean="0">
+              <a:rPr lang="en-US" sz="1500" dirty="0" err="1">
                 <a:solidFill>
                   <a:srgbClr val="282828"/>
                 </a:solidFill>
@@ -12359,7 +12310,7 @@
               <a:t>sebagai</a:t>
             </a:r>
             <a:r>
-              <a:rPr lang="en-US" sz="1500" dirty="0" smtClean="0">
+              <a:rPr lang="en-US" sz="1500" dirty="0">
                 <a:solidFill>
                   <a:srgbClr val="282828"/>
                 </a:solidFill>
@@ -12387,7 +12338,7 @@
               <a:buChar char="-"/>
             </a:pPr>
             <a:r>
-              <a:rPr lang="en-US" sz="1500" dirty="0" err="1" smtClean="0">
+              <a:rPr lang="en-US" sz="1500" dirty="0" err="1">
                 <a:solidFill>
                   <a:srgbClr val="282828"/>
                 </a:solidFill>
@@ -12399,7 +12350,7 @@
               <a:t>Dilakukan</a:t>
             </a:r>
             <a:r>
-              <a:rPr lang="en-US" sz="1500" dirty="0" smtClean="0">
+              <a:rPr lang="en-US" sz="1500" dirty="0">
                 <a:solidFill>
                   <a:srgbClr val="282828"/>
                 </a:solidFill>
@@ -12411,7 +12362,7 @@
               <a:t> fit </a:t>
             </a:r>
             <a:r>
-              <a:rPr lang="en-US" sz="1500" dirty="0" err="1" smtClean="0">
+              <a:rPr lang="en-US" sz="1500" dirty="0" err="1">
                 <a:solidFill>
                   <a:srgbClr val="282828"/>
                 </a:solidFill>
@@ -12423,7 +12374,7 @@
               <a:t>dengan</a:t>
             </a:r>
             <a:r>
-              <a:rPr lang="en-US" sz="1500" dirty="0" smtClean="0">
+              <a:rPr lang="en-US" sz="1500" dirty="0">
                 <a:solidFill>
                   <a:srgbClr val="282828"/>
                 </a:solidFill>
@@ -12435,7 +12386,7 @@
               <a:t> model </a:t>
             </a:r>
             <a:r>
-              <a:rPr lang="en-US" sz="1500" dirty="0" err="1" smtClean="0">
+              <a:rPr lang="en-US" sz="1500" dirty="0" err="1">
                 <a:solidFill>
                   <a:srgbClr val="282828"/>
                 </a:solidFill>
@@ -12447,7 +12398,7 @@
               <a:t>rfc</a:t>
             </a:r>
             <a:r>
-              <a:rPr lang="en-US" sz="1500" dirty="0" smtClean="0">
+              <a:rPr lang="en-US" sz="1500" dirty="0">
                 <a:solidFill>
                   <a:srgbClr val="282828"/>
                 </a:solidFill>
@@ -12459,7 +12410,7 @@
               <a:t> </a:t>
             </a:r>
             <a:r>
-              <a:rPr lang="en-US" sz="1500" dirty="0" err="1" smtClean="0">
+              <a:rPr lang="en-US" sz="1500" dirty="0" err="1">
                 <a:solidFill>
                   <a:srgbClr val="282828"/>
                 </a:solidFill>
@@ -12471,7 +12422,7 @@
               <a:t>pada</a:t>
             </a:r>
             <a:r>
-              <a:rPr lang="en-US" sz="1500" dirty="0" smtClean="0">
+              <a:rPr lang="en-US" sz="1500" dirty="0">
                 <a:solidFill>
                   <a:srgbClr val="282828"/>
                 </a:solidFill>
@@ -12483,7 +12434,7 @@
               <a:t> </a:t>
             </a:r>
             <a:r>
-              <a:rPr lang="en-US" sz="1500" dirty="0" err="1" smtClean="0">
+              <a:rPr lang="en-US" sz="1500" dirty="0" err="1">
                 <a:solidFill>
                   <a:srgbClr val="282828"/>
                 </a:solidFill>
@@ -12495,7 +12446,7 @@
               <a:t>x_train</a:t>
             </a:r>
             <a:r>
-              <a:rPr lang="en-US" sz="1500" dirty="0" smtClean="0">
+              <a:rPr lang="en-US" sz="1500" dirty="0">
                 <a:solidFill>
                   <a:srgbClr val="282828"/>
                 </a:solidFill>
@@ -12507,7 +12458,7 @@
               <a:t> </a:t>
             </a:r>
             <a:r>
-              <a:rPr lang="en-US" sz="1500" dirty="0" err="1" smtClean="0">
+              <a:rPr lang="en-US" sz="1500" dirty="0" err="1">
                 <a:solidFill>
                   <a:srgbClr val="282828"/>
                 </a:solidFill>
@@ -12519,7 +12470,7 @@
               <a:t>dan</a:t>
             </a:r>
             <a:r>
-              <a:rPr lang="en-US" sz="1500" dirty="0" smtClean="0">
+              <a:rPr lang="en-US" sz="1500" dirty="0">
                 <a:solidFill>
                   <a:srgbClr val="282828"/>
                 </a:solidFill>
@@ -12531,7 +12482,7 @@
               <a:t> </a:t>
             </a:r>
             <a:r>
-              <a:rPr lang="en-US" sz="1500" dirty="0" err="1" smtClean="0">
+              <a:rPr lang="en-US" sz="1500" dirty="0" err="1">
                 <a:solidFill>
                   <a:srgbClr val="282828"/>
                 </a:solidFill>
@@ -12543,7 +12494,7 @@
               <a:t>y_train</a:t>
             </a:r>
             <a:r>
-              <a:rPr lang="en-US" sz="1500" dirty="0" smtClean="0">
+              <a:rPr lang="en-US" sz="1500" dirty="0">
                 <a:solidFill>
                   <a:srgbClr val="282828"/>
                 </a:solidFill>
@@ -12555,7 +12506,7 @@
               <a:t> </a:t>
             </a:r>
             <a:r>
-              <a:rPr lang="en-US" sz="1500" dirty="0" err="1" smtClean="0">
+              <a:rPr lang="en-US" sz="1500" dirty="0" err="1">
                 <a:solidFill>
                   <a:srgbClr val="282828"/>
                 </a:solidFill>
@@ -12567,7 +12518,7 @@
               <a:t>dan</a:t>
             </a:r>
             <a:r>
-              <a:rPr lang="en-US" sz="1500" dirty="0" smtClean="0">
+              <a:rPr lang="en-US" sz="1500" dirty="0">
                 <a:solidFill>
                   <a:srgbClr val="282828"/>
                 </a:solidFill>
@@ -12579,7 +12530,7 @@
               <a:t> </a:t>
             </a:r>
             <a:r>
-              <a:rPr lang="en-US" sz="1500" dirty="0" err="1" smtClean="0">
+              <a:rPr lang="en-US" sz="1500" dirty="0" err="1">
                 <a:solidFill>
                   <a:srgbClr val="282828"/>
                 </a:solidFill>
@@ -12591,7 +12542,7 @@
               <a:t>didapatkan</a:t>
             </a:r>
             <a:r>
-              <a:rPr lang="en-US" sz="1500" dirty="0" smtClean="0">
+              <a:rPr lang="en-US" sz="1500" dirty="0">
                 <a:solidFill>
                   <a:srgbClr val="282828"/>
                 </a:solidFill>
@@ -12603,7 +12554,7 @@
               <a:t> test accuracy </a:t>
             </a:r>
             <a:r>
-              <a:rPr lang="en-US" sz="1500" dirty="0" err="1" smtClean="0">
+              <a:rPr lang="en-US" sz="1500" dirty="0" err="1">
                 <a:solidFill>
                   <a:srgbClr val="282828"/>
                 </a:solidFill>
@@ -12615,7 +12566,7 @@
               <a:t>sebesar</a:t>
             </a:r>
             <a:r>
-              <a:rPr lang="en-US" sz="1500" dirty="0" smtClean="0">
+              <a:rPr lang="en-US" sz="1500" dirty="0">
                 <a:solidFill>
                   <a:srgbClr val="282828"/>
                 </a:solidFill>
@@ -12854,7 +12805,7 @@
               <a:buNone/>
             </a:pPr>
             <a:r>
-              <a:rPr lang="en-US" sz="2820" dirty="0" smtClean="0">
+              <a:rPr lang="en-US" sz="2820" dirty="0">
                 <a:solidFill>
                   <a:srgbClr val="A338EB"/>
                 </a:solidFill>
@@ -13010,7 +12961,7 @@
               <a:buChar char="-"/>
             </a:pPr>
             <a:r>
-              <a:rPr lang="en-US" sz="1500" dirty="0" err="1" smtClean="0">
+              <a:rPr lang="en-US" sz="1500" dirty="0" err="1">
                 <a:solidFill>
                   <a:srgbClr val="282828"/>
                 </a:solidFill>
@@ -13022,7 +12973,7 @@
               <a:t>Melakukan</a:t>
             </a:r>
             <a:r>
-              <a:rPr lang="en-US" sz="1500" dirty="0" smtClean="0">
+              <a:rPr lang="en-US" sz="1500" dirty="0">
                 <a:solidFill>
                   <a:srgbClr val="282828"/>
                 </a:solidFill>
@@ -13034,7 +12985,7 @@
               <a:t> import </a:t>
             </a:r>
             <a:r>
-              <a:rPr lang="en-US" sz="1500" dirty="0" err="1" smtClean="0">
+              <a:rPr lang="en-US" sz="1500" dirty="0" err="1">
                 <a:solidFill>
                   <a:srgbClr val="282828"/>
                 </a:solidFill>
@@ -13046,7 +12997,7 @@
               <a:t>sklearn</a:t>
             </a:r>
             <a:r>
-              <a:rPr lang="en-US" sz="1500" dirty="0" smtClean="0">
+              <a:rPr lang="en-US" sz="1500" dirty="0">
                 <a:solidFill>
                   <a:srgbClr val="282828"/>
                 </a:solidFill>
@@ -13058,7 +13009,7 @@
               <a:t> </a:t>
             </a:r>
             <a:r>
-              <a:rPr lang="en-US" sz="1500" dirty="0" err="1" smtClean="0">
+              <a:rPr lang="en-US" sz="1500" dirty="0" err="1">
                 <a:solidFill>
                   <a:srgbClr val="282828"/>
                 </a:solidFill>
@@ -13070,7 +13021,7 @@
               <a:t>untuk</a:t>
             </a:r>
             <a:r>
-              <a:rPr lang="en-US" sz="1500" dirty="0" smtClean="0">
+              <a:rPr lang="en-US" sz="1500" dirty="0">
                 <a:solidFill>
                   <a:srgbClr val="282828"/>
                 </a:solidFill>
@@ -13092,7 +13043,7 @@
               <a:buChar char="-"/>
             </a:pPr>
             <a:r>
-              <a:rPr lang="en-US" sz="1500" dirty="0" err="1" smtClean="0">
+              <a:rPr lang="en-US" sz="1500" dirty="0" err="1">
                 <a:solidFill>
                   <a:srgbClr val="282828"/>
                 </a:solidFill>
@@ -13104,7 +13055,7 @@
               <a:t>Membuat</a:t>
             </a:r>
             <a:r>
-              <a:rPr lang="en-US" sz="1500" dirty="0" smtClean="0">
+              <a:rPr lang="en-US" sz="1500" dirty="0">
                 <a:solidFill>
                   <a:srgbClr val="282828"/>
                 </a:solidFill>
@@ -13116,7 +13067,7 @@
               <a:t> variable </a:t>
             </a:r>
             <a:r>
-              <a:rPr lang="en-US" sz="1500" dirty="0" err="1" smtClean="0">
+              <a:rPr lang="en-US" sz="1500" dirty="0" err="1">
                 <a:solidFill>
                   <a:srgbClr val="282828"/>
                 </a:solidFill>
@@ -13128,7 +13079,7 @@
               <a:t>dtree</a:t>
             </a:r>
             <a:r>
-              <a:rPr lang="en-US" sz="1500" dirty="0" smtClean="0">
+              <a:rPr lang="en-US" sz="1500" dirty="0">
                 <a:solidFill>
                   <a:srgbClr val="282828"/>
                 </a:solidFill>
@@ -13140,7 +13091,7 @@
               <a:t> </a:t>
             </a:r>
             <a:r>
-              <a:rPr lang="en-US" sz="1500" dirty="0" err="1" smtClean="0">
+              <a:rPr lang="en-US" sz="1500" dirty="0" err="1">
                 <a:solidFill>
                   <a:srgbClr val="282828"/>
                 </a:solidFill>
@@ -13152,7 +13103,7 @@
               <a:t>sebagai</a:t>
             </a:r>
             <a:r>
-              <a:rPr lang="en-US" sz="1500" dirty="0" smtClean="0">
+              <a:rPr lang="en-US" sz="1500" dirty="0">
                 <a:solidFill>
                   <a:srgbClr val="282828"/>
                 </a:solidFill>
@@ -13161,19 +13112,7 @@
                 <a:cs typeface="Inter"/>
                 <a:sym typeface="Inter"/>
               </a:rPr>
-              <a:t> </a:t>
-            </a:r>
-            <a:r>
-              <a:rPr lang="en-US" sz="1500" dirty="0">
-                <a:solidFill>
-                  <a:srgbClr val="282828"/>
-                </a:solidFill>
-                <a:latin typeface="Inter"/>
-                <a:ea typeface="Inter"/>
-                <a:cs typeface="Inter"/>
-                <a:sym typeface="Inter"/>
-              </a:rPr>
-              <a:t>Decision Tree Classifier</a:t>
+              <a:t> Decision Tree Classifier</a:t>
             </a:r>
           </a:p>
           <a:p>
@@ -13192,7 +13131,7 @@
               <a:buChar char="-"/>
             </a:pPr>
             <a:r>
-              <a:rPr lang="en-US" sz="1500" dirty="0" err="1" smtClean="0">
+              <a:rPr lang="en-US" sz="1500" dirty="0" err="1">
                 <a:solidFill>
                   <a:srgbClr val="282828"/>
                 </a:solidFill>
@@ -13204,7 +13143,7 @@
               <a:t>Dilakukan</a:t>
             </a:r>
             <a:r>
-              <a:rPr lang="en-US" sz="1500" dirty="0" smtClean="0">
+              <a:rPr lang="en-US" sz="1500" dirty="0">
                 <a:solidFill>
                   <a:srgbClr val="282828"/>
                 </a:solidFill>
@@ -13216,7 +13155,7 @@
               <a:t> fit </a:t>
             </a:r>
             <a:r>
-              <a:rPr lang="en-US" sz="1500" dirty="0" err="1" smtClean="0">
+              <a:rPr lang="en-US" sz="1500" dirty="0" err="1">
                 <a:solidFill>
                   <a:srgbClr val="282828"/>
                 </a:solidFill>
@@ -13228,7 +13167,7 @@
               <a:t>dengan</a:t>
             </a:r>
             <a:r>
-              <a:rPr lang="en-US" sz="1500" dirty="0" smtClean="0">
+              <a:rPr lang="en-US" sz="1500" dirty="0">
                 <a:solidFill>
                   <a:srgbClr val="282828"/>
                 </a:solidFill>
@@ -13240,7 +13179,7 @@
               <a:t> model </a:t>
             </a:r>
             <a:r>
-              <a:rPr lang="en-US" sz="1500" dirty="0" err="1" smtClean="0">
+              <a:rPr lang="en-US" sz="1500" dirty="0" err="1">
                 <a:solidFill>
                   <a:srgbClr val="282828"/>
                 </a:solidFill>
@@ -13252,7 +13191,7 @@
               <a:t>dtree</a:t>
             </a:r>
             <a:r>
-              <a:rPr lang="en-US" sz="1500" dirty="0" smtClean="0">
+              <a:rPr lang="en-US" sz="1500" dirty="0">
                 <a:solidFill>
                   <a:srgbClr val="282828"/>
                 </a:solidFill>
@@ -13264,7 +13203,7 @@
               <a:t> </a:t>
             </a:r>
             <a:r>
-              <a:rPr lang="en-US" sz="1500" dirty="0" err="1" smtClean="0">
+              <a:rPr lang="en-US" sz="1500" dirty="0" err="1">
                 <a:solidFill>
                   <a:srgbClr val="282828"/>
                 </a:solidFill>
@@ -13276,7 +13215,7 @@
               <a:t>pada</a:t>
             </a:r>
             <a:r>
-              <a:rPr lang="en-US" sz="1500" dirty="0" smtClean="0">
+              <a:rPr lang="en-US" sz="1500" dirty="0">
                 <a:solidFill>
                   <a:srgbClr val="282828"/>
                 </a:solidFill>
@@ -13288,7 +13227,7 @@
               <a:t> </a:t>
             </a:r>
             <a:r>
-              <a:rPr lang="en-US" sz="1500" dirty="0" err="1" smtClean="0">
+              <a:rPr lang="en-US" sz="1500" dirty="0" err="1">
                 <a:solidFill>
                   <a:srgbClr val="282828"/>
                 </a:solidFill>
@@ -13300,7 +13239,7 @@
               <a:t>x_train</a:t>
             </a:r>
             <a:r>
-              <a:rPr lang="en-US" sz="1500" dirty="0" smtClean="0">
+              <a:rPr lang="en-US" sz="1500" dirty="0">
                 <a:solidFill>
                   <a:srgbClr val="282828"/>
                 </a:solidFill>
@@ -13312,7 +13251,7 @@
               <a:t> </a:t>
             </a:r>
             <a:r>
-              <a:rPr lang="en-US" sz="1500" dirty="0" err="1" smtClean="0">
+              <a:rPr lang="en-US" sz="1500" dirty="0" err="1">
                 <a:solidFill>
                   <a:srgbClr val="282828"/>
                 </a:solidFill>
@@ -13324,7 +13263,7 @@
               <a:t>dan</a:t>
             </a:r>
             <a:r>
-              <a:rPr lang="en-US" sz="1500" dirty="0" smtClean="0">
+              <a:rPr lang="en-US" sz="1500" dirty="0">
                 <a:solidFill>
                   <a:srgbClr val="282828"/>
                 </a:solidFill>
@@ -13336,7 +13275,7 @@
               <a:t> </a:t>
             </a:r>
             <a:r>
-              <a:rPr lang="en-US" sz="1500" dirty="0" err="1" smtClean="0">
+              <a:rPr lang="en-US" sz="1500" dirty="0" err="1">
                 <a:solidFill>
                   <a:srgbClr val="282828"/>
                 </a:solidFill>
@@ -13348,7 +13287,7 @@
               <a:t>y_train</a:t>
             </a:r>
             <a:r>
-              <a:rPr lang="en-US" sz="1500" dirty="0" smtClean="0">
+              <a:rPr lang="en-US" sz="1500" dirty="0">
                 <a:solidFill>
                   <a:srgbClr val="282828"/>
                 </a:solidFill>
@@ -13360,7 +13299,7 @@
               <a:t> </a:t>
             </a:r>
             <a:r>
-              <a:rPr lang="en-US" sz="1500" dirty="0" err="1" smtClean="0">
+              <a:rPr lang="en-US" sz="1500" dirty="0" err="1">
                 <a:solidFill>
                   <a:srgbClr val="282828"/>
                 </a:solidFill>
@@ -13372,7 +13311,7 @@
               <a:t>dan</a:t>
             </a:r>
             <a:r>
-              <a:rPr lang="en-US" sz="1500" dirty="0" smtClean="0">
+              <a:rPr lang="en-US" sz="1500" dirty="0">
                 <a:solidFill>
                   <a:srgbClr val="282828"/>
                 </a:solidFill>
@@ -13384,7 +13323,7 @@
               <a:t> </a:t>
             </a:r>
             <a:r>
-              <a:rPr lang="en-US" sz="1500" dirty="0" err="1" smtClean="0">
+              <a:rPr lang="en-US" sz="1500" dirty="0" err="1">
                 <a:solidFill>
                   <a:srgbClr val="282828"/>
                 </a:solidFill>
@@ -13396,7 +13335,7 @@
               <a:t>didapatkan</a:t>
             </a:r>
             <a:r>
-              <a:rPr lang="en-US" sz="1500" dirty="0" smtClean="0">
+              <a:rPr lang="en-US" sz="1500" dirty="0">
                 <a:solidFill>
                   <a:srgbClr val="282828"/>
                 </a:solidFill>
@@ -13408,7 +13347,7 @@
               <a:t> test accuracy </a:t>
             </a:r>
             <a:r>
-              <a:rPr lang="en-US" sz="1500" dirty="0" err="1" smtClean="0">
+              <a:rPr lang="en-US" sz="1500" dirty="0" err="1">
                 <a:solidFill>
                   <a:srgbClr val="282828"/>
                 </a:solidFill>
@@ -13420,7 +13359,7 @@
               <a:t>sebesar</a:t>
             </a:r>
             <a:r>
-              <a:rPr lang="en-US" sz="1500" dirty="0" smtClean="0">
+              <a:rPr lang="en-US" sz="1500" dirty="0">
                 <a:solidFill>
                   <a:srgbClr val="282828"/>
                 </a:solidFill>
@@ -13659,7 +13598,7 @@
               <a:buNone/>
             </a:pPr>
             <a:r>
-              <a:rPr lang="en-US" sz="2820" dirty="0" smtClean="0">
+              <a:rPr lang="en-US" sz="2820" dirty="0">
                 <a:solidFill>
                   <a:srgbClr val="A338EB"/>
                 </a:solidFill>
@@ -14066,7 +14005,7 @@
               <a:buNone/>
             </a:pPr>
             <a:r>
-              <a:rPr lang="en-US" sz="2820" dirty="0" smtClean="0">
+              <a:rPr lang="en-US" sz="2820" dirty="0">
                 <a:solidFill>
                   <a:srgbClr val="A338EB"/>
                 </a:solidFill>
@@ -14398,7 +14337,7 @@
               <a:buNone/>
             </a:pPr>
             <a:r>
-              <a:rPr lang="en-US" sz="2820" dirty="0" smtClean="0">
+              <a:rPr lang="en-US" sz="2820" dirty="0">
                 <a:solidFill>
                   <a:srgbClr val="A338EB"/>
                 </a:solidFill>
@@ -14524,7 +14463,7 @@
               <a:buChar char="-"/>
             </a:pPr>
             <a:r>
-              <a:rPr lang="en-US" sz="1500" dirty="0" smtClean="0">
+              <a:rPr lang="en-US" sz="1500" dirty="0">
                 <a:solidFill>
                   <a:srgbClr val="282828"/>
                 </a:solidFill>
@@ -14832,7 +14771,7 @@
               <a:buNone/>
             </a:pPr>
             <a:r>
-              <a:rPr lang="en-US" sz="2820" dirty="0" smtClean="0">
+              <a:rPr lang="en-US" sz="2820" dirty="0">
                 <a:solidFill>
                   <a:srgbClr val="A338EB"/>
                 </a:solidFill>
@@ -14958,7 +14897,7 @@
               <a:buChar char="-"/>
             </a:pPr>
             <a:r>
-              <a:rPr lang="en-US" sz="1500" dirty="0" smtClean="0">
+              <a:rPr lang="en-US" sz="1500" dirty="0">
                 <a:solidFill>
                   <a:srgbClr val="282828"/>
                 </a:solidFill>
@@ -14984,7 +14923,7 @@
               <a:buSzPts val="1500"/>
               <a:buNone/>
             </a:pPr>
-            <a:endParaRPr lang="en-US" sz="1500" dirty="0" smtClean="0">
+            <a:endParaRPr lang="en-US" sz="1500" dirty="0">
               <a:solidFill>
                 <a:srgbClr val="282828"/>
               </a:solidFill>
@@ -15774,7 +15713,7 @@
               <a:buNone/>
             </a:pPr>
             <a:r>
-              <a:rPr lang="en-US" sz="2820" dirty="0" smtClean="0">
+              <a:rPr lang="en-US" sz="2820" dirty="0">
                 <a:solidFill>
                   <a:srgbClr val="A338EB"/>
                 </a:solidFill>
@@ -15900,7 +15839,7 @@
               <a:buChar char="-"/>
             </a:pPr>
             <a:r>
-              <a:rPr lang="en-US" sz="1500" dirty="0" smtClean="0">
+              <a:rPr lang="en-US" sz="1500" dirty="0">
                 <a:solidFill>
                   <a:srgbClr val="282828"/>
                 </a:solidFill>
@@ -15926,7 +15865,7 @@
               <a:buSzPts val="1500"/>
               <a:buNone/>
             </a:pPr>
-            <a:endParaRPr lang="en-US" sz="1500" dirty="0" smtClean="0">
+            <a:endParaRPr lang="en-US" sz="1500" dirty="0">
               <a:solidFill>
                 <a:srgbClr val="282828"/>
               </a:solidFill>
@@ -16526,7 +16465,7 @@
               <a:buNone/>
             </a:pPr>
             <a:r>
-              <a:rPr lang="en-US" sz="1500" dirty="0" smtClean="0">
+              <a:rPr lang="en-US" sz="1500" dirty="0">
                 <a:solidFill>
                   <a:srgbClr val="282828"/>
                 </a:solidFill>
@@ -16538,7 +16477,7 @@
               <a:t>Dari </a:t>
             </a:r>
             <a:r>
-              <a:rPr lang="en-US" sz="1500" dirty="0" err="1" smtClean="0">
+              <a:rPr lang="en-US" sz="1500" dirty="0" err="1">
                 <a:solidFill>
                   <a:srgbClr val="282828"/>
                 </a:solidFill>
@@ -16550,7 +16489,7 @@
               <a:t>analisis</a:t>
             </a:r>
             <a:r>
-              <a:rPr lang="en-US" sz="1500" dirty="0" smtClean="0">
+              <a:rPr lang="en-US" sz="1500" dirty="0">
                 <a:solidFill>
                   <a:srgbClr val="282828"/>
                 </a:solidFill>
@@ -16562,7 +16501,7 @@
               <a:t> yang </a:t>
             </a:r>
             <a:r>
-              <a:rPr lang="en-US" sz="1500" dirty="0" err="1" smtClean="0">
+              <a:rPr lang="en-US" sz="1500" dirty="0" err="1">
                 <a:solidFill>
                   <a:srgbClr val="282828"/>
                 </a:solidFill>
@@ -16574,7 +16513,7 @@
               <a:t>sudah</a:t>
             </a:r>
             <a:r>
-              <a:rPr lang="en-US" sz="1500" dirty="0" smtClean="0">
+              <a:rPr lang="en-US" sz="1500" dirty="0">
                 <a:solidFill>
                   <a:srgbClr val="282828"/>
                 </a:solidFill>
@@ -16586,7 +16525,7 @@
               <a:t> </a:t>
             </a:r>
             <a:r>
-              <a:rPr lang="en-US" sz="1500" dirty="0" err="1" smtClean="0">
+              <a:rPr lang="en-US" sz="1500" dirty="0" err="1">
                 <a:solidFill>
                   <a:srgbClr val="282828"/>
                 </a:solidFill>
@@ -16598,7 +16537,7 @@
               <a:t>dilakukan</a:t>
             </a:r>
             <a:r>
-              <a:rPr lang="en-US" sz="1500" dirty="0" smtClean="0">
+              <a:rPr lang="en-US" sz="1500" dirty="0">
                 <a:solidFill>
                   <a:srgbClr val="282828"/>
                 </a:solidFill>
@@ -16610,7 +16549,7 @@
               <a:t> </a:t>
             </a:r>
             <a:r>
-              <a:rPr lang="en-US" sz="1500" dirty="0" err="1" smtClean="0">
+              <a:rPr lang="en-US" sz="1500" dirty="0" err="1">
                 <a:solidFill>
                   <a:srgbClr val="282828"/>
                 </a:solidFill>
@@ -16622,7 +16561,7 @@
               <a:t>dapat</a:t>
             </a:r>
             <a:r>
-              <a:rPr lang="en-US" sz="1500" dirty="0" smtClean="0">
+              <a:rPr lang="en-US" sz="1500" dirty="0">
                 <a:solidFill>
                   <a:srgbClr val="282828"/>
                 </a:solidFill>
@@ -16634,7 +16573,7 @@
               <a:t> </a:t>
             </a:r>
             <a:r>
-              <a:rPr lang="en-US" sz="1500" dirty="0" err="1" smtClean="0">
+              <a:rPr lang="en-US" sz="1500" dirty="0" err="1">
                 <a:solidFill>
                   <a:srgbClr val="282828"/>
                 </a:solidFill>
@@ -16646,7 +16585,7 @@
               <a:t>diambil</a:t>
             </a:r>
             <a:r>
-              <a:rPr lang="en-US" sz="1500" dirty="0" smtClean="0">
+              <a:rPr lang="en-US" sz="1500" dirty="0">
                 <a:solidFill>
                   <a:srgbClr val="282828"/>
                 </a:solidFill>
@@ -16658,7 +16597,7 @@
               <a:t> </a:t>
             </a:r>
             <a:r>
-              <a:rPr lang="en-US" sz="1500" dirty="0" err="1" smtClean="0">
+              <a:rPr lang="en-US" sz="1500" dirty="0" err="1">
                 <a:solidFill>
                   <a:srgbClr val="282828"/>
                 </a:solidFill>
@@ -16670,7 +16609,7 @@
               <a:t>kesimpulan</a:t>
             </a:r>
             <a:r>
-              <a:rPr lang="en-US" sz="1500" dirty="0" smtClean="0">
+              <a:rPr lang="en-US" sz="1500" dirty="0">
                 <a:solidFill>
                   <a:srgbClr val="282828"/>
                 </a:solidFill>
@@ -16682,7 +16621,7 @@
               <a:t> </a:t>
             </a:r>
             <a:r>
-              <a:rPr lang="en-US" sz="1500" dirty="0" err="1" smtClean="0">
+              <a:rPr lang="en-US" sz="1500" dirty="0" err="1">
                 <a:solidFill>
                   <a:srgbClr val="282828"/>
                 </a:solidFill>
@@ -16703,10 +16642,10 @@
                 <a:cs typeface="Inter"/>
                 <a:sym typeface="Inter"/>
               </a:rPr>
-              <a:t> </a:t>
-            </a:r>
-            <a:r>
-              <a:rPr lang="en-US" sz="1500" dirty="0" smtClean="0">
+              <a:t> ram, </a:t>
+            </a:r>
+            <a:r>
+              <a:rPr lang="en-US" sz="1500" dirty="0" err="1">
                 <a:solidFill>
                   <a:srgbClr val="282828"/>
                 </a:solidFill>
@@ -16715,10 +16654,10 @@
                 <a:cs typeface="Inter"/>
                 <a:sym typeface="Inter"/>
               </a:rPr>
-              <a:t>ram, </a:t>
-            </a:r>
-            <a:r>
-              <a:rPr lang="en-US" sz="1500" dirty="0" err="1" smtClean="0">
+              <a:t>px_width</a:t>
+            </a:r>
+            <a:r>
+              <a:rPr lang="en-US" sz="1500" dirty="0">
                 <a:solidFill>
                   <a:srgbClr val="282828"/>
                 </a:solidFill>
@@ -16727,10 +16666,10 @@
                 <a:cs typeface="Inter"/>
                 <a:sym typeface="Inter"/>
               </a:rPr>
-              <a:t>px_width</a:t>
-            </a:r>
-            <a:r>
-              <a:rPr lang="en-US" sz="1500" dirty="0" smtClean="0">
+              <a:t>, </a:t>
+            </a:r>
+            <a:r>
+              <a:rPr lang="en-US" sz="1500" dirty="0" err="1">
                 <a:solidFill>
                   <a:srgbClr val="282828"/>
                 </a:solidFill>
@@ -16739,10 +16678,10 @@
                 <a:cs typeface="Inter"/>
                 <a:sym typeface="Inter"/>
               </a:rPr>
-              <a:t>, </a:t>
-            </a:r>
-            <a:r>
-              <a:rPr lang="en-US" sz="1500" dirty="0" err="1" smtClean="0">
+              <a:t>px_height</a:t>
+            </a:r>
+            <a:r>
+              <a:rPr lang="en-US" sz="1500" dirty="0">
                 <a:solidFill>
                   <a:srgbClr val="282828"/>
                 </a:solidFill>
@@ -16751,10 +16690,10 @@
                 <a:cs typeface="Inter"/>
                 <a:sym typeface="Inter"/>
               </a:rPr>
-              <a:t>px_height</a:t>
-            </a:r>
-            <a:r>
-              <a:rPr lang="en-US" sz="1500" dirty="0" smtClean="0">
+              <a:t>, </a:t>
+            </a:r>
+            <a:r>
+              <a:rPr lang="en-US" sz="1500" dirty="0" err="1">
                 <a:solidFill>
                   <a:srgbClr val="282828"/>
                 </a:solidFill>
@@ -16763,10 +16702,10 @@
                 <a:cs typeface="Inter"/>
                 <a:sym typeface="Inter"/>
               </a:rPr>
-              <a:t>, </a:t>
-            </a:r>
-            <a:r>
-              <a:rPr lang="en-US" sz="1500" dirty="0" err="1" smtClean="0">
+              <a:t>dan</a:t>
+            </a:r>
+            <a:r>
+              <a:rPr lang="en-US" sz="1500" dirty="0">
                 <a:solidFill>
                   <a:srgbClr val="282828"/>
                 </a:solidFill>
@@ -16775,10 +16714,10 @@
                 <a:cs typeface="Inter"/>
                 <a:sym typeface="Inter"/>
               </a:rPr>
-              <a:t>dan</a:t>
-            </a:r>
-            <a:r>
-              <a:rPr lang="en-US" sz="1500" dirty="0" smtClean="0">
+              <a:t> battery power </a:t>
+            </a:r>
+            <a:r>
+              <a:rPr lang="en-US" sz="1500" dirty="0" err="1">
                 <a:solidFill>
                   <a:srgbClr val="282828"/>
                 </a:solidFill>
@@ -16787,10 +16726,10 @@
                 <a:cs typeface="Inter"/>
                 <a:sym typeface="Inter"/>
               </a:rPr>
-              <a:t> battery power </a:t>
-            </a:r>
-            <a:r>
-              <a:rPr lang="en-US" sz="1500" dirty="0" err="1" smtClean="0">
+              <a:t>dapat</a:t>
+            </a:r>
+            <a:r>
+              <a:rPr lang="en-US" sz="1500" dirty="0">
                 <a:solidFill>
                   <a:srgbClr val="282828"/>
                 </a:solidFill>
@@ -16799,10 +16738,10 @@
                 <a:cs typeface="Inter"/>
                 <a:sym typeface="Inter"/>
               </a:rPr>
-              <a:t>dapat</a:t>
-            </a:r>
-            <a:r>
-              <a:rPr lang="en-US" sz="1500" dirty="0" smtClean="0">
+              <a:t> </a:t>
+            </a:r>
+            <a:r>
+              <a:rPr lang="en-US" sz="1500" dirty="0" err="1">
                 <a:solidFill>
                   <a:srgbClr val="282828"/>
                 </a:solidFill>
@@ -16811,10 +16750,10 @@
                 <a:cs typeface="Inter"/>
                 <a:sym typeface="Inter"/>
               </a:rPr>
-              <a:t> </a:t>
-            </a:r>
-            <a:r>
-              <a:rPr lang="en-US" sz="1500" dirty="0" err="1" smtClean="0">
+              <a:t>mempengaruhi</a:t>
+            </a:r>
+            <a:r>
+              <a:rPr lang="en-US" sz="1500" dirty="0">
                 <a:solidFill>
                   <a:srgbClr val="282828"/>
                 </a:solidFill>
@@ -16823,10 +16762,10 @@
                 <a:cs typeface="Inter"/>
                 <a:sym typeface="Inter"/>
               </a:rPr>
-              <a:t>mempengaruhi</a:t>
-            </a:r>
-            <a:r>
-              <a:rPr lang="en-US" sz="1500" dirty="0" smtClean="0">
+              <a:t> price range </a:t>
+            </a:r>
+            <a:r>
+              <a:rPr lang="en-US" sz="1500" dirty="0" err="1">
                 <a:solidFill>
                   <a:srgbClr val="282828"/>
                 </a:solidFill>
@@ -16835,10 +16774,10 @@
                 <a:cs typeface="Inter"/>
                 <a:sym typeface="Inter"/>
               </a:rPr>
-              <a:t> price range </a:t>
-            </a:r>
-            <a:r>
-              <a:rPr lang="en-US" sz="1500" dirty="0" err="1" smtClean="0">
+              <a:t>dari</a:t>
+            </a:r>
+            <a:r>
+              <a:rPr lang="en-US" sz="1500" dirty="0">
                 <a:solidFill>
                   <a:srgbClr val="282828"/>
                 </a:solidFill>
@@ -16847,10 +16786,10 @@
                 <a:cs typeface="Inter"/>
                 <a:sym typeface="Inter"/>
               </a:rPr>
-              <a:t>dari</a:t>
-            </a:r>
-            <a:r>
-              <a:rPr lang="en-US" sz="1500" dirty="0" smtClean="0">
+              <a:t> smartphone </a:t>
+            </a:r>
+            <a:r>
+              <a:rPr lang="en-US" sz="1500" dirty="0" err="1">
                 <a:solidFill>
                   <a:srgbClr val="282828"/>
                 </a:solidFill>
@@ -16859,10 +16798,10 @@
                 <a:cs typeface="Inter"/>
                 <a:sym typeface="Inter"/>
               </a:rPr>
-              <a:t> smartphone </a:t>
-            </a:r>
-            <a:r>
-              <a:rPr lang="en-US" sz="1500" dirty="0" err="1" smtClean="0">
+              <a:t>terutama</a:t>
+            </a:r>
+            <a:r>
+              <a:rPr lang="en-US" sz="1500" dirty="0">
                 <a:solidFill>
                   <a:srgbClr val="282828"/>
                 </a:solidFill>
@@ -16871,10 +16810,10 @@
                 <a:cs typeface="Inter"/>
                 <a:sym typeface="Inter"/>
               </a:rPr>
-              <a:t>terutama</a:t>
-            </a:r>
-            <a:r>
-              <a:rPr lang="en-US" sz="1500" dirty="0" smtClean="0">
+              <a:t> ram yang </a:t>
+            </a:r>
+            <a:r>
+              <a:rPr lang="en-US" sz="1500" dirty="0" err="1">
                 <a:solidFill>
                   <a:srgbClr val="282828"/>
                 </a:solidFill>
@@ -16883,10 +16822,10 @@
                 <a:cs typeface="Inter"/>
                 <a:sym typeface="Inter"/>
               </a:rPr>
-              <a:t> ram yang </a:t>
-            </a:r>
-            <a:r>
-              <a:rPr lang="en-US" sz="1500" dirty="0" err="1" smtClean="0">
+              <a:t>memiliki</a:t>
+            </a:r>
+            <a:r>
+              <a:rPr lang="en-US" sz="1500" dirty="0">
                 <a:solidFill>
                   <a:srgbClr val="282828"/>
                 </a:solidFill>
@@ -16895,10 +16834,10 @@
                 <a:cs typeface="Inter"/>
                 <a:sym typeface="Inter"/>
               </a:rPr>
-              <a:t>memiliki</a:t>
-            </a:r>
-            <a:r>
-              <a:rPr lang="en-US" sz="1500" dirty="0" smtClean="0">
+              <a:t> </a:t>
+            </a:r>
+            <a:r>
+              <a:rPr lang="en-US" sz="1500" dirty="0" err="1">
                 <a:solidFill>
                   <a:srgbClr val="282828"/>
                 </a:solidFill>
@@ -16907,10 +16846,10 @@
                 <a:cs typeface="Inter"/>
                 <a:sym typeface="Inter"/>
               </a:rPr>
-              <a:t> </a:t>
-            </a:r>
-            <a:r>
-              <a:rPr lang="en-US" sz="1500" dirty="0" err="1" smtClean="0">
+              <a:t>perbedaan</a:t>
+            </a:r>
+            <a:r>
+              <a:rPr lang="en-US" sz="1500" dirty="0">
                 <a:solidFill>
                   <a:srgbClr val="282828"/>
                 </a:solidFill>
@@ -16919,10 +16858,10 @@
                 <a:cs typeface="Inter"/>
                 <a:sym typeface="Inter"/>
               </a:rPr>
-              <a:t>perbedaan</a:t>
-            </a:r>
-            <a:r>
-              <a:rPr lang="en-US" sz="1500" dirty="0" smtClean="0">
+              <a:t> value </a:t>
+            </a:r>
+            <a:r>
+              <a:rPr lang="en-US" sz="1500" dirty="0" err="1">
                 <a:solidFill>
                   <a:srgbClr val="282828"/>
                 </a:solidFill>
@@ -16931,22 +16870,10 @@
                 <a:cs typeface="Inter"/>
                 <a:sym typeface="Inter"/>
               </a:rPr>
-              <a:t> value </a:t>
-            </a:r>
-            <a:r>
-              <a:rPr lang="en-US" sz="1500" dirty="0" err="1" smtClean="0">
-                <a:solidFill>
-                  <a:srgbClr val="282828"/>
-                </a:solidFill>
-                <a:latin typeface="Inter"/>
-                <a:ea typeface="Inter"/>
-                <a:cs typeface="Inter"/>
-                <a:sym typeface="Inter"/>
-              </a:rPr>
               <a:t>terbanyak</a:t>
             </a:r>
             <a:r>
-              <a:rPr lang="en-US" sz="1500" smtClean="0">
+              <a:rPr lang="en-US" sz="1500">
                 <a:solidFill>
                   <a:srgbClr val="282828"/>
                 </a:solidFill>
@@ -18228,7 +18155,7 @@
               <a:t> </a:t>
             </a:r>
             <a:r>
-              <a:rPr lang="en-US" sz="1500" dirty="0" err="1" smtClean="0">
+              <a:rPr lang="en-US" sz="1500" dirty="0" err="1">
                 <a:solidFill>
                   <a:srgbClr val="282828"/>
                 </a:solidFill>
@@ -18240,7 +18167,7 @@
               <a:t>spesifikasi</a:t>
             </a:r>
             <a:r>
-              <a:rPr lang="en-US" sz="1500" dirty="0" smtClean="0">
+              <a:rPr lang="en-US" sz="1500" dirty="0">
                 <a:solidFill>
                   <a:srgbClr val="282828"/>
                 </a:solidFill>
@@ -18252,7 +18179,7 @@
               <a:t> </a:t>
             </a:r>
             <a:r>
-              <a:rPr lang="en-US" sz="1500" dirty="0" err="1" smtClean="0">
+              <a:rPr lang="en-US" sz="1500" dirty="0" err="1">
                 <a:solidFill>
                   <a:srgbClr val="282828"/>
                 </a:solidFill>
@@ -18264,7 +18191,7 @@
               <a:t>terhadap</a:t>
             </a:r>
             <a:r>
-              <a:rPr lang="en-US" sz="1500" dirty="0" smtClean="0">
+              <a:rPr lang="en-US" sz="1500" dirty="0">
                 <a:solidFill>
                   <a:srgbClr val="282828"/>
                 </a:solidFill>
@@ -18276,7 +18203,7 @@
               <a:t> </a:t>
             </a:r>
             <a:r>
-              <a:rPr lang="en-US" sz="1500" dirty="0" err="1" smtClean="0">
+              <a:rPr lang="en-US" sz="1500" dirty="0" err="1">
                 <a:solidFill>
                   <a:srgbClr val="282828"/>
                 </a:solidFill>
@@ -18288,7 +18215,7 @@
               <a:t>harga</a:t>
             </a:r>
             <a:r>
-              <a:rPr lang="en-US" sz="1500" dirty="0" smtClean="0">
+              <a:rPr lang="en-US" sz="1500" dirty="0">
                 <a:solidFill>
                   <a:srgbClr val="282828"/>
                 </a:solidFill>
@@ -18509,187 +18436,6 @@
             </a:r>
             <a:r>
               <a:rPr lang="id-ID" sz="1500" spc="-115" dirty="0">
-                <a:solidFill>
-                  <a:srgbClr val="282828"/>
-                </a:solidFill>
-                <a:effectLst/>
-                <a:latin typeface="Verdana" panose="020B0604030504040204" pitchFamily="34" charset="0"/>
-                <a:ea typeface="Verdana" panose="020B0604030504040204" pitchFamily="34" charset="0"/>
-                <a:cs typeface="Verdana" panose="020B0604030504040204" pitchFamily="34" charset="0"/>
-              </a:rPr>
-              <a:t> </a:t>
-            </a:r>
-            <a:r>
-              <a:rPr lang="id-ID" sz="1500" dirty="0">
-                <a:solidFill>
-                  <a:srgbClr val="282828"/>
-                </a:solidFill>
-                <a:effectLst/>
-                <a:latin typeface="Verdana" panose="020B0604030504040204" pitchFamily="34" charset="0"/>
-                <a:ea typeface="Verdana" panose="020B0604030504040204" pitchFamily="34" charset="0"/>
-                <a:cs typeface="Verdana" panose="020B0604030504040204" pitchFamily="34" charset="0"/>
-              </a:rPr>
-              <a:t>smartphone</a:t>
-            </a:r>
-            <a:r>
-              <a:rPr lang="en-US" sz="1500" dirty="0">
-                <a:solidFill>
-                  <a:srgbClr val="282828"/>
-                </a:solidFill>
-                <a:effectLst/>
-                <a:latin typeface="Verdana" panose="020B0604030504040204" pitchFamily="34" charset="0"/>
-                <a:ea typeface="Verdana" panose="020B0604030504040204" pitchFamily="34" charset="0"/>
-                <a:cs typeface="Verdana" panose="020B0604030504040204" pitchFamily="34" charset="0"/>
-              </a:rPr>
-              <a:t>.</a:t>
-            </a:r>
-            <a:endParaRPr lang="en-ID" sz="1500" dirty="0">
-              <a:effectLst/>
-              <a:latin typeface="Verdana" panose="020B0604030504040204" pitchFamily="34" charset="0"/>
-              <a:ea typeface="Verdana" panose="020B0604030504040204" pitchFamily="34" charset="0"/>
-              <a:cs typeface="Verdana" panose="020B0604030504040204" pitchFamily="34" charset="0"/>
-            </a:endParaRPr>
-          </a:p>
-          <a:p>
-            <a:pPr marL="342900" lvl="0" indent="-342900">
-              <a:spcBef>
-                <a:spcPts val="950"/>
-              </a:spcBef>
-              <a:spcAft>
-                <a:spcPts val="0"/>
-              </a:spcAft>
-              <a:buClr>
-                <a:srgbClr val="282828"/>
-              </a:buClr>
-              <a:buSzPts val="1500"/>
-              <a:buFont typeface="Verdana" panose="020B0604030504040204" pitchFamily="34" charset="0"/>
-              <a:buChar char="-"/>
-              <a:tabLst>
-                <a:tab pos="844550" algn="l"/>
-                <a:tab pos="845185" algn="l"/>
-              </a:tabLst>
-            </a:pPr>
-            <a:r>
-              <a:rPr lang="id-ID" sz="1500" dirty="0">
-                <a:solidFill>
-                  <a:srgbClr val="282828"/>
-                </a:solidFill>
-                <a:effectLst/>
-                <a:latin typeface="Verdana" panose="020B0604030504040204" pitchFamily="34" charset="0"/>
-                <a:ea typeface="Verdana" panose="020B0604030504040204" pitchFamily="34" charset="0"/>
-                <a:cs typeface="Verdana" panose="020B0604030504040204" pitchFamily="34" charset="0"/>
-              </a:rPr>
-              <a:t>Menganalisis</a:t>
-            </a:r>
-            <a:r>
-              <a:rPr lang="id-ID" sz="1500" spc="-140" dirty="0">
-                <a:solidFill>
-                  <a:srgbClr val="282828"/>
-                </a:solidFill>
-                <a:effectLst/>
-                <a:latin typeface="Verdana" panose="020B0604030504040204" pitchFamily="34" charset="0"/>
-                <a:ea typeface="Verdana" panose="020B0604030504040204" pitchFamily="34" charset="0"/>
-                <a:cs typeface="Verdana" panose="020B0604030504040204" pitchFamily="34" charset="0"/>
-              </a:rPr>
-              <a:t> </a:t>
-            </a:r>
-            <a:r>
-              <a:rPr lang="en-US" sz="1500" spc="-140" dirty="0">
-                <a:solidFill>
-                  <a:srgbClr val="282828"/>
-                </a:solidFill>
-                <a:latin typeface="Verdana" panose="020B0604030504040204" pitchFamily="34" charset="0"/>
-                <a:ea typeface="Verdana" panose="020B0604030504040204" pitchFamily="34" charset="0"/>
-                <a:cs typeface="Verdana" panose="020B0604030504040204" pitchFamily="34" charset="0"/>
-              </a:rPr>
-              <a:t>r</a:t>
-            </a:r>
-            <a:r>
-              <a:rPr lang="id-ID" sz="1500" dirty="0" smtClean="0">
-                <a:solidFill>
-                  <a:srgbClr val="282828"/>
-                </a:solidFill>
-                <a:effectLst/>
-                <a:latin typeface="Verdana" panose="020B0604030504040204" pitchFamily="34" charset="0"/>
-                <a:ea typeface="Verdana" panose="020B0604030504040204" pitchFamily="34" charset="0"/>
-                <a:cs typeface="Verdana" panose="020B0604030504040204" pitchFamily="34" charset="0"/>
-              </a:rPr>
-              <a:t>ange</a:t>
-            </a:r>
-            <a:r>
-              <a:rPr lang="id-ID" sz="1500" spc="-115" dirty="0" smtClean="0">
-                <a:solidFill>
-                  <a:srgbClr val="282828"/>
-                </a:solidFill>
-                <a:effectLst/>
-                <a:latin typeface="Verdana" panose="020B0604030504040204" pitchFamily="34" charset="0"/>
-                <a:ea typeface="Verdana" panose="020B0604030504040204" pitchFamily="34" charset="0"/>
-                <a:cs typeface="Verdana" panose="020B0604030504040204" pitchFamily="34" charset="0"/>
-              </a:rPr>
-              <a:t> </a:t>
-            </a:r>
-            <a:r>
-              <a:rPr lang="id-ID" sz="1500" dirty="0">
-                <a:solidFill>
-                  <a:srgbClr val="282828"/>
-                </a:solidFill>
-                <a:effectLst/>
-                <a:latin typeface="Verdana" panose="020B0604030504040204" pitchFamily="34" charset="0"/>
-                <a:ea typeface="Verdana" panose="020B0604030504040204" pitchFamily="34" charset="0"/>
-                <a:cs typeface="Verdana" panose="020B0604030504040204" pitchFamily="34" charset="0"/>
-              </a:rPr>
-              <a:t>penjualan</a:t>
-            </a:r>
-            <a:r>
-              <a:rPr lang="id-ID" sz="1500" spc="-125" dirty="0">
-                <a:solidFill>
-                  <a:srgbClr val="282828"/>
-                </a:solidFill>
-                <a:effectLst/>
-                <a:latin typeface="Verdana" panose="020B0604030504040204" pitchFamily="34" charset="0"/>
-                <a:ea typeface="Verdana" panose="020B0604030504040204" pitchFamily="34" charset="0"/>
-                <a:cs typeface="Verdana" panose="020B0604030504040204" pitchFamily="34" charset="0"/>
-              </a:rPr>
-              <a:t> </a:t>
-            </a:r>
-            <a:r>
-              <a:rPr lang="id-ID" sz="1500" dirty="0">
-                <a:solidFill>
-                  <a:srgbClr val="282828"/>
-                </a:solidFill>
-                <a:effectLst/>
-                <a:latin typeface="Verdana" panose="020B0604030504040204" pitchFamily="34" charset="0"/>
-                <a:ea typeface="Verdana" panose="020B0604030504040204" pitchFamily="34" charset="0"/>
-                <a:cs typeface="Verdana" panose="020B0604030504040204" pitchFamily="34" charset="0"/>
-              </a:rPr>
-              <a:t>dari</a:t>
-            </a:r>
-            <a:r>
-              <a:rPr lang="id-ID" sz="1500" spc="-100" dirty="0">
-                <a:solidFill>
-                  <a:srgbClr val="282828"/>
-                </a:solidFill>
-                <a:effectLst/>
-                <a:latin typeface="Verdana" panose="020B0604030504040204" pitchFamily="34" charset="0"/>
-                <a:ea typeface="Verdana" panose="020B0604030504040204" pitchFamily="34" charset="0"/>
-                <a:cs typeface="Verdana" panose="020B0604030504040204" pitchFamily="34" charset="0"/>
-              </a:rPr>
-              <a:t> </a:t>
-            </a:r>
-            <a:r>
-              <a:rPr lang="id-ID" sz="1500" dirty="0">
-                <a:solidFill>
-                  <a:srgbClr val="282828"/>
-                </a:solidFill>
-                <a:effectLst/>
-                <a:latin typeface="Verdana" panose="020B0604030504040204" pitchFamily="34" charset="0"/>
-                <a:ea typeface="Verdana" panose="020B0604030504040204" pitchFamily="34" charset="0"/>
-                <a:cs typeface="Verdana" panose="020B0604030504040204" pitchFamily="34" charset="0"/>
-              </a:rPr>
-              <a:t>harga</a:t>
-            </a:r>
-            <a:r>
-              <a:rPr lang="id-ID" sz="1500" spc="-110" dirty="0">
                 <a:solidFill>
                   <a:srgbClr val="282828"/>
                 </a:solidFill>
@@ -22396,7 +22142,7 @@
               <a:buNone/>
             </a:pPr>
             <a:r>
-              <a:rPr lang="en-US" sz="1800" dirty="0" smtClean="0">
+              <a:rPr lang="en-US" sz="1800" dirty="0">
                 <a:solidFill>
                   <a:srgbClr val="282828"/>
                 </a:solidFill>

--- a/Presentasi-Kelompok-02-Rauzan Sumara.pptx
+++ b/Presentasi-Kelompok-02-Rauzan Sumara.pptx
@@ -36,12 +36,12 @@
   <p:notesSz cx="6858000" cy="9144000"/>
   <p:embeddedFontLst>
     <p:embeddedFont>
-      <p:font typeface="Inter" panose="020B0604020202020204" charset="0"/>
+      <p:font typeface="Maven Pro SemiBold" panose="020B0604020202020204" charset="0"/>
       <p:regular r:id="rId26"/>
       <p:bold r:id="rId27"/>
     </p:embeddedFont>
     <p:embeddedFont>
-      <p:font typeface="Inter Medium" panose="020B0604020202020204" charset="0"/>
+      <p:font typeface="Inter" panose="020B0604020202020204" charset="0"/>
       <p:regular r:id="rId28"/>
       <p:bold r:id="rId29"/>
     </p:embeddedFont>
@@ -51,16 +51,16 @@
       <p:bold r:id="rId31"/>
     </p:embeddedFont>
     <p:embeddedFont>
-      <p:font typeface="Maven Pro SemiBold" panose="020B0604020202020204" charset="0"/>
+      <p:font typeface="Verdana" panose="020B0604030504040204" pitchFamily="34" charset="0"/>
       <p:regular r:id="rId32"/>
       <p:bold r:id="rId33"/>
+      <p:italic r:id="rId34"/>
+      <p:boldItalic r:id="rId35"/>
     </p:embeddedFont>
     <p:embeddedFont>
-      <p:font typeface="Verdana" panose="020B0604030504040204" pitchFamily="34" charset="0"/>
-      <p:regular r:id="rId34"/>
-      <p:bold r:id="rId35"/>
-      <p:italic r:id="rId36"/>
-      <p:boldItalic r:id="rId37"/>
+      <p:font typeface="Inter Medium" panose="020B0604020202020204" charset="0"/>
+      <p:regular r:id="rId36"/>
+      <p:bold r:id="rId37"/>
     </p:embeddedFont>
   </p:embeddedFontLst>
   <p:defaultTextStyle>
@@ -8672,6 +8672,13 @@
   <p:clrMapOvr>
     <a:masterClrMapping/>
   </p:clrMapOvr>
+  <p:timing>
+    <p:tnLst>
+      <p:par>
+        <p:cTn id="1" dur="indefinite" restart="never" nodeType="tmRoot"/>
+      </p:par>
+    </p:tnLst>
+  </p:timing>
 </p:sld>
 </file>
 
@@ -8923,6 +8930,15 @@
                 <a:sym typeface="Maven Pro SemiBold"/>
               </a:rPr>
             </a:br>
+            <a:r>
+              <a:rPr lang="en-ID" sz="1800" dirty="0">
+                <a:effectLst/>
+                <a:latin typeface="Verdana" panose="020B0604030504040204" pitchFamily="34" charset="0"/>
+                <a:ea typeface="Verdana" panose="020B0604030504040204" pitchFamily="34" charset="0"/>
+                <a:cs typeface="Verdana" panose="020B0604030504040204" pitchFamily="34" charset="0"/>
+              </a:rPr>
+              <a:t/>
+            </a:r>
             <a:br>
               <a:rPr lang="en-ID" sz="1800" dirty="0">
                 <a:effectLst/>
@@ -9317,7 +9333,7 @@
             <a:pPr>
               <a:buSzPts val="990"/>
             </a:pPr>
-            <a:br>
+            <a:r>
               <a:rPr lang="en-US" sz="2820" dirty="0">
                 <a:solidFill>
                   <a:srgbClr val="A338EB"/>
@@ -9327,6 +9343,18 @@
                 <a:cs typeface="Maven Pro SemiBold"/>
                 <a:sym typeface="Maven Pro SemiBold"/>
               </a:rPr>
+              <a:t/>
+            </a:r>
+            <a:br>
+              <a:rPr lang="en-US" sz="2820" dirty="0">
+                <a:solidFill>
+                  <a:srgbClr val="A338EB"/>
+                </a:solidFill>
+                <a:latin typeface="Maven Pro SemiBold"/>
+                <a:ea typeface="Maven Pro SemiBold"/>
+                <a:cs typeface="Maven Pro SemiBold"/>
+                <a:sym typeface="Maven Pro SemiBold"/>
+              </a:rPr>
             </a:br>
             <a:r>
               <a:rPr lang="en-US" sz="1800" dirty="0">
@@ -9337,7 +9365,26 @@
                 <a:ea typeface="Verdana" panose="020B0604030504040204" pitchFamily="34" charset="0"/>
                 <a:cs typeface="Verdana" panose="020B0604030504040204" pitchFamily="34" charset="0"/>
               </a:rPr>
-              <a:t>Numerical Features</a:t>
+              <a:t>Numerical </a:t>
+            </a:r>
+            <a:r>
+              <a:rPr lang="en-US" sz="1800" dirty="0" smtClean="0">
+                <a:solidFill>
+                  <a:srgbClr val="585858"/>
+                </a:solidFill>
+                <a:latin typeface="Arial" panose="020B0604020202020204" pitchFamily="34" charset="0"/>
+                <a:ea typeface="Verdana" panose="020B0604030504040204" pitchFamily="34" charset="0"/>
+                <a:cs typeface="Verdana" panose="020B0604030504040204" pitchFamily="34" charset="0"/>
+              </a:rPr>
+              <a:t>Features</a:t>
+            </a:r>
+            <a:r>
+              <a:rPr lang="en-US" sz="1800" dirty="0">
+                <a:latin typeface="Verdana" panose="020B0604030504040204" pitchFamily="34" charset="0"/>
+                <a:ea typeface="Verdana" panose="020B0604030504040204" pitchFamily="34" charset="0"/>
+                <a:cs typeface="Verdana" panose="020B0604030504040204" pitchFamily="34" charset="0"/>
+              </a:rPr>
+              <a:t/>
             </a:r>
             <a:br>
               <a:rPr lang="en-US" sz="1800" dirty="0">
@@ -9643,6 +9690,15 @@
                 <a:sym typeface="Maven Pro SemiBold"/>
               </a:rPr>
             </a:br>
+            <a:r>
+              <a:rPr lang="en-ID" sz="1800" dirty="0">
+                <a:effectLst/>
+                <a:latin typeface="Verdana" panose="020B0604030504040204" pitchFamily="34" charset="0"/>
+                <a:ea typeface="Verdana" panose="020B0604030504040204" pitchFamily="34" charset="0"/>
+                <a:cs typeface="Verdana" panose="020B0604030504040204" pitchFamily="34" charset="0"/>
+              </a:rPr>
+              <a:t/>
+            </a:r>
             <a:br>
               <a:rPr lang="en-ID" sz="1800" dirty="0">
                 <a:effectLst/>
@@ -10009,7 +10065,7 @@
               <a:buSzPts val="990"/>
             </a:pPr>
             <a:r>
-              <a:rPr lang="en-US" sz="2820" dirty="0" err="1">
+              <a:rPr lang="en-US" sz="2820" dirty="0" err="1" smtClean="0">
                 <a:solidFill>
                   <a:srgbClr val="A338EB"/>
                 </a:solidFill>
@@ -10588,7 +10644,7 @@
           <a:p>
             <a:pPr marL="285750" indent="-285750"/>
             <a:r>
-              <a:rPr lang="en-US" sz="1500" dirty="0" err="1">
+              <a:rPr lang="en-US" sz="1500" dirty="0" err="1" smtClean="0">
                 <a:solidFill>
                   <a:srgbClr val="282828"/>
                 </a:solidFill>
@@ -10600,7 +10656,7 @@
               <a:t>Membagi</a:t>
             </a:r>
             <a:r>
-              <a:rPr lang="en-US" sz="1500" dirty="0">
+              <a:rPr lang="en-US" sz="1500" dirty="0" smtClean="0">
                 <a:solidFill>
                   <a:srgbClr val="282828"/>
                 </a:solidFill>
@@ -10612,7 +10668,7 @@
               <a:t> </a:t>
             </a:r>
             <a:r>
-              <a:rPr lang="en-US" sz="1500" dirty="0" err="1">
+              <a:rPr lang="en-US" sz="1500" dirty="0" err="1" smtClean="0">
                 <a:solidFill>
                   <a:srgbClr val="282828"/>
                 </a:solidFill>
@@ -10624,7 +10680,7 @@
               <a:t>menjadi</a:t>
             </a:r>
             <a:r>
-              <a:rPr lang="en-US" sz="1500" dirty="0">
+              <a:rPr lang="en-US" sz="1500" dirty="0" smtClean="0">
                 <a:solidFill>
                   <a:srgbClr val="282828"/>
                 </a:solidFill>
@@ -10636,7 +10692,7 @@
               <a:t> 4 variable </a:t>
             </a:r>
             <a:r>
-              <a:rPr lang="en-US" sz="1500" dirty="0" err="1">
+              <a:rPr lang="en-US" sz="1500" dirty="0" err="1" smtClean="0">
                 <a:solidFill>
                   <a:srgbClr val="282828"/>
                 </a:solidFill>
@@ -10648,7 +10704,7 @@
               <a:t>yaitu</a:t>
             </a:r>
             <a:r>
-              <a:rPr lang="en-US" sz="1500" dirty="0">
+              <a:rPr lang="en-US" sz="1500" dirty="0" smtClean="0">
                 <a:solidFill>
                   <a:srgbClr val="282828"/>
                 </a:solidFill>
@@ -10660,7 +10716,7 @@
               <a:t> : </a:t>
             </a:r>
             <a:r>
-              <a:rPr lang="en-US" sz="1500" dirty="0" err="1">
+              <a:rPr lang="en-US" sz="1500" dirty="0" err="1" smtClean="0">
                 <a:solidFill>
                   <a:srgbClr val="282828"/>
                 </a:solidFill>
@@ -10672,7 +10728,7 @@
               <a:t>X_train</a:t>
             </a:r>
             <a:r>
-              <a:rPr lang="en-US" sz="1500" dirty="0">
+              <a:rPr lang="en-US" sz="1500" dirty="0" smtClean="0">
                 <a:solidFill>
                   <a:srgbClr val="282828"/>
                 </a:solidFill>
@@ -10684,7 +10740,7 @@
               <a:t>, </a:t>
             </a:r>
             <a:r>
-              <a:rPr lang="en-US" sz="1500" dirty="0" err="1">
+              <a:rPr lang="en-US" sz="1500" dirty="0" err="1" smtClean="0">
                 <a:solidFill>
                   <a:srgbClr val="282828"/>
                 </a:solidFill>
@@ -10696,7 +10752,7 @@
               <a:t>X_test</a:t>
             </a:r>
             <a:r>
-              <a:rPr lang="en-US" sz="1500" dirty="0">
+              <a:rPr lang="en-US" sz="1500" dirty="0" smtClean="0">
                 <a:solidFill>
                   <a:srgbClr val="282828"/>
                 </a:solidFill>
@@ -10708,7 +10764,7 @@
               <a:t>, </a:t>
             </a:r>
             <a:r>
-              <a:rPr lang="en-US" sz="1500" dirty="0" err="1">
+              <a:rPr lang="en-US" sz="1500" dirty="0" err="1" smtClean="0">
                 <a:solidFill>
                   <a:srgbClr val="282828"/>
                 </a:solidFill>
@@ -10720,7 +10776,7 @@
               <a:t>y_train</a:t>
             </a:r>
             <a:r>
-              <a:rPr lang="en-US" sz="1500" dirty="0">
+              <a:rPr lang="en-US" sz="1500" dirty="0" smtClean="0">
                 <a:solidFill>
                   <a:srgbClr val="282828"/>
                 </a:solidFill>
@@ -10732,7 +10788,7 @@
               <a:t>, </a:t>
             </a:r>
             <a:r>
-              <a:rPr lang="en-US" sz="1500" dirty="0" err="1">
+              <a:rPr lang="en-US" sz="1500" dirty="0" err="1" smtClean="0">
                 <a:solidFill>
                   <a:srgbClr val="282828"/>
                 </a:solidFill>
@@ -10744,7 +10800,7 @@
               <a:t>y_test</a:t>
             </a:r>
             <a:r>
-              <a:rPr lang="en-US" sz="1500" dirty="0">
+              <a:rPr lang="en-US" sz="1500" dirty="0" smtClean="0">
                 <a:solidFill>
                   <a:srgbClr val="282828"/>
                 </a:solidFill>
@@ -10771,7 +10827,7 @@
               <a:t>x </a:t>
             </a:r>
             <a:r>
-              <a:rPr lang="en-US" sz="1500" dirty="0" err="1">
+              <a:rPr lang="en-US" sz="1500" dirty="0" err="1" smtClean="0">
                 <a:solidFill>
                   <a:srgbClr val="282828"/>
                 </a:solidFill>
@@ -10783,7 +10839,7 @@
               <a:t>merupakan</a:t>
             </a:r>
             <a:r>
-              <a:rPr lang="en-US" sz="1500" dirty="0">
+              <a:rPr lang="en-US" sz="1500" dirty="0" smtClean="0">
                 <a:solidFill>
                   <a:srgbClr val="282828"/>
                 </a:solidFill>
@@ -10795,7 +10851,7 @@
               <a:t> variable yang </a:t>
             </a:r>
             <a:r>
-              <a:rPr lang="en-US" sz="1500" dirty="0" err="1">
+              <a:rPr lang="en-US" sz="1500" dirty="0" err="1" smtClean="0">
                 <a:solidFill>
                   <a:srgbClr val="282828"/>
                 </a:solidFill>
@@ -10807,7 +10863,7 @@
               <a:t>berisikan</a:t>
             </a:r>
             <a:r>
-              <a:rPr lang="en-US" sz="1500" dirty="0">
+              <a:rPr lang="en-US" sz="1500" dirty="0" smtClean="0">
                 <a:solidFill>
                   <a:srgbClr val="282828"/>
                 </a:solidFill>
@@ -10819,7 +10875,7 @@
               <a:t> data </a:t>
             </a:r>
             <a:r>
-              <a:rPr lang="en-US" sz="1500" dirty="0" err="1">
+              <a:rPr lang="en-US" sz="1500" dirty="0" err="1" smtClean="0">
                 <a:solidFill>
                   <a:srgbClr val="282828"/>
                 </a:solidFill>
@@ -10831,7 +10887,7 @@
               <a:t>kolom</a:t>
             </a:r>
             <a:r>
-              <a:rPr lang="en-US" sz="1500" dirty="0">
+              <a:rPr lang="en-US" sz="1500" dirty="0" smtClean="0">
                 <a:solidFill>
                   <a:srgbClr val="282828"/>
                 </a:solidFill>
@@ -10843,7 +10899,7 @@
               <a:t> </a:t>
             </a:r>
             <a:r>
-              <a:rPr lang="en-US" sz="1500" dirty="0" err="1">
+              <a:rPr lang="en-US" sz="1500" dirty="0" err="1" smtClean="0">
                 <a:solidFill>
                   <a:srgbClr val="282828"/>
                 </a:solidFill>
@@ -10855,7 +10911,7 @@
               <a:t>selain</a:t>
             </a:r>
             <a:r>
-              <a:rPr lang="en-US" sz="1500" dirty="0">
+              <a:rPr lang="en-US" sz="1500" dirty="0" smtClean="0">
                 <a:solidFill>
                   <a:srgbClr val="282828"/>
                 </a:solidFill>
@@ -10867,7 +10923,7 @@
               <a:t> price range, </a:t>
             </a:r>
             <a:r>
-              <a:rPr lang="en-US" sz="1500" dirty="0" err="1">
+              <a:rPr lang="en-US" sz="1500" dirty="0" err="1" smtClean="0">
                 <a:solidFill>
                   <a:srgbClr val="282828"/>
                 </a:solidFill>
@@ -10879,7 +10935,7 @@
               <a:t>sementara</a:t>
             </a:r>
             <a:r>
-              <a:rPr lang="en-US" sz="1500" dirty="0">
+              <a:rPr lang="en-US" sz="1500" dirty="0" smtClean="0">
                 <a:solidFill>
                   <a:srgbClr val="282828"/>
                 </a:solidFill>
@@ -10891,7 +10947,7 @@
               <a:t> y </a:t>
             </a:r>
             <a:r>
-              <a:rPr lang="en-US" sz="1500" dirty="0" err="1">
+              <a:rPr lang="en-US" sz="1500" dirty="0" err="1" smtClean="0">
                 <a:solidFill>
                   <a:srgbClr val="282828"/>
                 </a:solidFill>
@@ -10903,7 +10959,7 @@
               <a:t>berisikan</a:t>
             </a:r>
             <a:r>
-              <a:rPr lang="en-US" sz="1500" dirty="0">
+              <a:rPr lang="en-US" sz="1500" dirty="0" smtClean="0">
                 <a:solidFill>
                   <a:srgbClr val="282828"/>
                 </a:solidFill>
@@ -10915,7 +10971,7 @@
               <a:t> </a:t>
             </a:r>
             <a:r>
-              <a:rPr lang="en-US" sz="1500" dirty="0" err="1">
+              <a:rPr lang="en-US" sz="1500" dirty="0" err="1" smtClean="0">
                 <a:solidFill>
                   <a:srgbClr val="282828"/>
                 </a:solidFill>
@@ -10927,7 +10983,7 @@
               <a:t>kolom</a:t>
             </a:r>
             <a:r>
-              <a:rPr lang="en-US" sz="1500" dirty="0">
+              <a:rPr lang="en-US" sz="1500" dirty="0" smtClean="0">
                 <a:solidFill>
                   <a:srgbClr val="282828"/>
                 </a:solidFill>
@@ -10942,7 +10998,7 @@
           <a:p>
             <a:pPr marL="285750" indent="-285750"/>
             <a:r>
-              <a:rPr lang="en-US" sz="1500" dirty="0" err="1">
+              <a:rPr lang="en-US" sz="1500" dirty="0" err="1" smtClean="0">
                 <a:solidFill>
                   <a:srgbClr val="282828"/>
                 </a:solidFill>
@@ -10954,7 +11010,7 @@
               <a:t>Mengambil</a:t>
             </a:r>
             <a:r>
-              <a:rPr lang="en-US" sz="1500" dirty="0">
+              <a:rPr lang="en-US" sz="1500" dirty="0" smtClean="0">
                 <a:solidFill>
                   <a:srgbClr val="282828"/>
                 </a:solidFill>
@@ -10966,7 +11022,7 @@
               <a:t> data train </a:t>
             </a:r>
             <a:r>
-              <a:rPr lang="en-US" sz="1500" dirty="0" err="1">
+              <a:rPr lang="en-US" sz="1500" dirty="0" err="1" smtClean="0">
                 <a:solidFill>
                   <a:srgbClr val="282828"/>
                 </a:solidFill>
@@ -10978,7 +11034,7 @@
               <a:t>sebesar</a:t>
             </a:r>
             <a:r>
-              <a:rPr lang="en-US" sz="1500" dirty="0">
+              <a:rPr lang="en-US" sz="1500" dirty="0" smtClean="0">
                 <a:solidFill>
                   <a:srgbClr val="282828"/>
                 </a:solidFill>
@@ -10990,7 +11046,7 @@
               <a:t> 80% </a:t>
             </a:r>
             <a:r>
-              <a:rPr lang="en-US" sz="1500" dirty="0" err="1">
+              <a:rPr lang="en-US" sz="1500" dirty="0" err="1" smtClean="0">
                 <a:solidFill>
                   <a:srgbClr val="282828"/>
                 </a:solidFill>
@@ -11002,7 +11058,7 @@
               <a:t>dan</a:t>
             </a:r>
             <a:r>
-              <a:rPr lang="en-US" sz="1500" dirty="0">
+              <a:rPr lang="en-US" sz="1500" dirty="0" smtClean="0">
                 <a:solidFill>
                   <a:srgbClr val="282828"/>
                 </a:solidFill>
@@ -11014,7 +11070,7 @@
               <a:t> data test </a:t>
             </a:r>
             <a:r>
-              <a:rPr lang="en-US" sz="1500" dirty="0" err="1">
+              <a:rPr lang="en-US" sz="1500" dirty="0" err="1" smtClean="0">
                 <a:solidFill>
                   <a:srgbClr val="282828"/>
                 </a:solidFill>
@@ -11026,7 +11082,7 @@
               <a:t>sebesar</a:t>
             </a:r>
             <a:r>
-              <a:rPr lang="en-US" sz="1500" dirty="0">
+              <a:rPr lang="en-US" sz="1500" dirty="0" smtClean="0">
                 <a:solidFill>
                   <a:srgbClr val="282828"/>
                 </a:solidFill>
@@ -11265,7 +11321,7 @@
               <a:buNone/>
             </a:pPr>
             <a:r>
-              <a:rPr lang="en" sz="2820" dirty="0">
+              <a:rPr lang="en" sz="2820" dirty="0" smtClean="0">
                 <a:solidFill>
                   <a:srgbClr val="A338EB"/>
                 </a:solidFill>
@@ -11351,6 +11407,54 @@
           </a:p>
         </p:txBody>
       </p:sp>
+      <p:pic>
+        <p:nvPicPr>
+          <p:cNvPr id="2" name="Picture 1"/>
+          <p:cNvPicPr>
+            <a:picLocks noChangeAspect="1"/>
+          </p:cNvPicPr>
+          <p:nvPr/>
+        </p:nvPicPr>
+        <p:blipFill>
+          <a:blip r:embed="rId5"/>
+          <a:stretch>
+            <a:fillRect/>
+          </a:stretch>
+        </p:blipFill>
+        <p:spPr>
+          <a:xfrm>
+            <a:off x="485128" y="2795380"/>
+            <a:ext cx="4135442" cy="1328946"/>
+          </a:xfrm>
+          <a:prstGeom prst="rect">
+            <a:avLst/>
+          </a:prstGeom>
+        </p:spPr>
+      </p:pic>
+      <p:pic>
+        <p:nvPicPr>
+          <p:cNvPr id="3" name="Picture 2"/>
+          <p:cNvPicPr>
+            <a:picLocks noChangeAspect="1"/>
+          </p:cNvPicPr>
+          <p:nvPr/>
+        </p:nvPicPr>
+        <p:blipFill>
+          <a:blip r:embed="rId6"/>
+          <a:stretch>
+            <a:fillRect/>
+          </a:stretch>
+        </p:blipFill>
+        <p:spPr>
+          <a:xfrm>
+            <a:off x="4620570" y="2795380"/>
+            <a:ext cx="4171530" cy="1345932"/>
+          </a:xfrm>
+          <a:prstGeom prst="rect">
+            <a:avLst/>
+          </a:prstGeom>
+        </p:spPr>
+      </p:pic>
     </p:spTree>
   </p:cSld>
   <p:clrMapOvr>
@@ -11416,7 +11520,7 @@
               <a:buChar char="-"/>
             </a:pPr>
             <a:r>
-              <a:rPr lang="en-US" sz="1500" dirty="0" err="1">
+              <a:rPr lang="en-US" sz="1500" dirty="0" err="1" smtClean="0">
                 <a:solidFill>
                   <a:srgbClr val="282828"/>
                 </a:solidFill>
@@ -11428,7 +11532,7 @@
               <a:t>Melakukan</a:t>
             </a:r>
             <a:r>
-              <a:rPr lang="en-US" sz="1500" dirty="0">
+              <a:rPr lang="en-US" sz="1500" dirty="0" smtClean="0">
                 <a:solidFill>
                   <a:srgbClr val="282828"/>
                 </a:solidFill>
@@ -11440,7 +11544,7 @@
               <a:t> import </a:t>
             </a:r>
             <a:r>
-              <a:rPr lang="en-US" sz="1500" dirty="0" err="1">
+              <a:rPr lang="en-US" sz="1500" dirty="0" err="1" smtClean="0">
                 <a:solidFill>
                   <a:srgbClr val="282828"/>
                 </a:solidFill>
@@ -11452,7 +11556,7 @@
               <a:t>sklearn</a:t>
             </a:r>
             <a:r>
-              <a:rPr lang="en-US" sz="1500" dirty="0">
+              <a:rPr lang="en-US" sz="1500" dirty="0" smtClean="0">
                 <a:solidFill>
                   <a:srgbClr val="282828"/>
                 </a:solidFill>
@@ -11464,7 +11568,7 @@
               <a:t> </a:t>
             </a:r>
             <a:r>
-              <a:rPr lang="en-US" sz="1500" dirty="0" err="1">
+              <a:rPr lang="en-US" sz="1500" dirty="0" err="1" smtClean="0">
                 <a:solidFill>
                   <a:srgbClr val="282828"/>
                 </a:solidFill>
@@ -11476,7 +11580,7 @@
               <a:t>untuk</a:t>
             </a:r>
             <a:r>
-              <a:rPr lang="en-US" sz="1500" dirty="0">
+              <a:rPr lang="en-US" sz="1500" dirty="0" smtClean="0">
                 <a:solidFill>
                   <a:srgbClr val="282828"/>
                 </a:solidFill>
@@ -11504,7 +11608,7 @@
               <a:buChar char="-"/>
             </a:pPr>
             <a:r>
-              <a:rPr lang="en-US" sz="1500" dirty="0" err="1">
+              <a:rPr lang="en-US" sz="1500" dirty="0" err="1" smtClean="0">
                 <a:solidFill>
                   <a:srgbClr val="282828"/>
                 </a:solidFill>
@@ -11516,7 +11620,7 @@
               <a:t>Membuat</a:t>
             </a:r>
             <a:r>
-              <a:rPr lang="en-US" sz="1500" dirty="0">
+              <a:rPr lang="en-US" sz="1500" dirty="0" smtClean="0">
                 <a:solidFill>
                   <a:srgbClr val="282828"/>
                 </a:solidFill>
@@ -11528,7 +11632,7 @@
               <a:t> variable GNB </a:t>
             </a:r>
             <a:r>
-              <a:rPr lang="en-US" sz="1500" dirty="0" err="1">
+              <a:rPr lang="en-US" sz="1500" dirty="0" err="1" smtClean="0">
                 <a:solidFill>
                   <a:srgbClr val="282828"/>
                 </a:solidFill>
@@ -11540,7 +11644,7 @@
               <a:t>sebagai</a:t>
             </a:r>
             <a:r>
-              <a:rPr lang="en-US" sz="1500" dirty="0">
+              <a:rPr lang="en-US" sz="1500" dirty="0" smtClean="0">
                 <a:solidFill>
                   <a:srgbClr val="282828"/>
                 </a:solidFill>
@@ -11568,7 +11672,7 @@
               <a:buChar char="-"/>
             </a:pPr>
             <a:r>
-              <a:rPr lang="en-US" sz="1500" dirty="0" err="1">
+              <a:rPr lang="en-US" sz="1500" dirty="0" err="1" smtClean="0">
                 <a:solidFill>
                   <a:srgbClr val="282828"/>
                 </a:solidFill>
@@ -11580,7 +11684,7 @@
               <a:t>Dilakukan</a:t>
             </a:r>
             <a:r>
-              <a:rPr lang="en-US" sz="1500" dirty="0">
+              <a:rPr lang="en-US" sz="1500" dirty="0" smtClean="0">
                 <a:solidFill>
                   <a:srgbClr val="282828"/>
                 </a:solidFill>
@@ -11592,7 +11696,7 @@
               <a:t> fit </a:t>
             </a:r>
             <a:r>
-              <a:rPr lang="en-US" sz="1500" dirty="0" err="1">
+              <a:rPr lang="en-US" sz="1500" dirty="0" err="1" smtClean="0">
                 <a:solidFill>
                   <a:srgbClr val="282828"/>
                 </a:solidFill>
@@ -11604,7 +11708,7 @@
               <a:t>dengan</a:t>
             </a:r>
             <a:r>
-              <a:rPr lang="en-US" sz="1500" dirty="0">
+              <a:rPr lang="en-US" sz="1500" dirty="0" smtClean="0">
                 <a:solidFill>
                   <a:srgbClr val="282828"/>
                 </a:solidFill>
@@ -11616,7 +11720,7 @@
               <a:t> model GNB </a:t>
             </a:r>
             <a:r>
-              <a:rPr lang="en-US" sz="1500" dirty="0" err="1">
+              <a:rPr lang="en-US" sz="1500" dirty="0" err="1" smtClean="0">
                 <a:solidFill>
                   <a:srgbClr val="282828"/>
                 </a:solidFill>
@@ -11628,7 +11732,7 @@
               <a:t>pada</a:t>
             </a:r>
             <a:r>
-              <a:rPr lang="en-US" sz="1500" dirty="0">
+              <a:rPr lang="en-US" sz="1500" dirty="0" smtClean="0">
                 <a:solidFill>
                   <a:srgbClr val="282828"/>
                 </a:solidFill>
@@ -11640,7 +11744,7 @@
               <a:t> </a:t>
             </a:r>
             <a:r>
-              <a:rPr lang="en-US" sz="1500" dirty="0" err="1">
+              <a:rPr lang="en-US" sz="1500" dirty="0" err="1" smtClean="0">
                 <a:solidFill>
                   <a:srgbClr val="282828"/>
                 </a:solidFill>
@@ -11652,7 +11756,7 @@
               <a:t>x_train</a:t>
             </a:r>
             <a:r>
-              <a:rPr lang="en-US" sz="1500" dirty="0">
+              <a:rPr lang="en-US" sz="1500" dirty="0" smtClean="0">
                 <a:solidFill>
                   <a:srgbClr val="282828"/>
                 </a:solidFill>
@@ -11664,7 +11768,7 @@
               <a:t> </a:t>
             </a:r>
             <a:r>
-              <a:rPr lang="en-US" sz="1500" dirty="0" err="1">
+              <a:rPr lang="en-US" sz="1500" dirty="0" err="1" smtClean="0">
                 <a:solidFill>
                   <a:srgbClr val="282828"/>
                 </a:solidFill>
@@ -11676,7 +11780,7 @@
               <a:t>dan</a:t>
             </a:r>
             <a:r>
-              <a:rPr lang="en-US" sz="1500" dirty="0">
+              <a:rPr lang="en-US" sz="1500" dirty="0" smtClean="0">
                 <a:solidFill>
                   <a:srgbClr val="282828"/>
                 </a:solidFill>
@@ -11688,7 +11792,7 @@
               <a:t> </a:t>
             </a:r>
             <a:r>
-              <a:rPr lang="en-US" sz="1500" dirty="0" err="1">
+              <a:rPr lang="en-US" sz="1500" dirty="0" err="1" smtClean="0">
                 <a:solidFill>
                   <a:srgbClr val="282828"/>
                 </a:solidFill>
@@ -11700,7 +11804,7 @@
               <a:t>y_train</a:t>
             </a:r>
             <a:r>
-              <a:rPr lang="en-US" sz="1500" dirty="0">
+              <a:rPr lang="en-US" sz="1500" dirty="0" smtClean="0">
                 <a:solidFill>
                   <a:srgbClr val="282828"/>
                 </a:solidFill>
@@ -11712,7 +11816,7 @@
               <a:t> </a:t>
             </a:r>
             <a:r>
-              <a:rPr lang="en-US" sz="1500" dirty="0" err="1">
+              <a:rPr lang="en-US" sz="1500" dirty="0" err="1" smtClean="0">
                 <a:solidFill>
                   <a:srgbClr val="282828"/>
                 </a:solidFill>
@@ -11724,7 +11828,7 @@
               <a:t>dan</a:t>
             </a:r>
             <a:r>
-              <a:rPr lang="en-US" sz="1500" dirty="0">
+              <a:rPr lang="en-US" sz="1500" dirty="0" smtClean="0">
                 <a:solidFill>
                   <a:srgbClr val="282828"/>
                 </a:solidFill>
@@ -11736,7 +11840,7 @@
               <a:t> </a:t>
             </a:r>
             <a:r>
-              <a:rPr lang="en-US" sz="1500" dirty="0" err="1">
+              <a:rPr lang="en-US" sz="1500" dirty="0" err="1" smtClean="0">
                 <a:solidFill>
                   <a:srgbClr val="282828"/>
                 </a:solidFill>
@@ -11748,7 +11852,7 @@
               <a:t>didapatkan</a:t>
             </a:r>
             <a:r>
-              <a:rPr lang="en-US" sz="1500" dirty="0">
+              <a:rPr lang="en-US" sz="1500" dirty="0" smtClean="0">
                 <a:solidFill>
                   <a:srgbClr val="282828"/>
                 </a:solidFill>
@@ -11760,7 +11864,7 @@
               <a:t> test accuracy </a:t>
             </a:r>
             <a:r>
-              <a:rPr lang="en-US" sz="1500" dirty="0" err="1">
+              <a:rPr lang="en-US" sz="1500" dirty="0" err="1" smtClean="0">
                 <a:solidFill>
                   <a:srgbClr val="282828"/>
                 </a:solidFill>
@@ -11772,7 +11876,7 @@
               <a:t>sebesar</a:t>
             </a:r>
             <a:r>
-              <a:rPr lang="en-US" sz="1500" dirty="0">
+              <a:rPr lang="en-US" sz="1500" dirty="0" smtClean="0">
                 <a:solidFill>
                   <a:srgbClr val="282828"/>
                 </a:solidFill>
@@ -12011,7 +12115,7 @@
               <a:buNone/>
             </a:pPr>
             <a:r>
-              <a:rPr lang="en-US" sz="2820" dirty="0">
+              <a:rPr lang="en-US" sz="2820" dirty="0" smtClean="0">
                 <a:solidFill>
                   <a:srgbClr val="A338EB"/>
                 </a:solidFill>
@@ -12162,7 +12266,7 @@
               <a:buChar char="-"/>
             </a:pPr>
             <a:r>
-              <a:rPr lang="en-US" sz="1500" dirty="0" err="1">
+              <a:rPr lang="en-US" sz="1500" dirty="0" err="1" smtClean="0">
                 <a:solidFill>
                   <a:srgbClr val="282828"/>
                 </a:solidFill>
@@ -12174,7 +12278,7 @@
               <a:t>Melakukan</a:t>
             </a:r>
             <a:r>
-              <a:rPr lang="en-US" sz="1500" dirty="0">
+              <a:rPr lang="en-US" sz="1500" dirty="0" smtClean="0">
                 <a:solidFill>
                   <a:srgbClr val="282828"/>
                 </a:solidFill>
@@ -12186,7 +12290,7 @@
               <a:t> import </a:t>
             </a:r>
             <a:r>
-              <a:rPr lang="en-US" sz="1500" dirty="0" err="1">
+              <a:rPr lang="en-US" sz="1500" dirty="0" err="1" smtClean="0">
                 <a:solidFill>
                   <a:srgbClr val="282828"/>
                 </a:solidFill>
@@ -12198,7 +12302,7 @@
               <a:t>sklearn</a:t>
             </a:r>
             <a:r>
-              <a:rPr lang="en-US" sz="1500" dirty="0">
+              <a:rPr lang="en-US" sz="1500" dirty="0" smtClean="0">
                 <a:solidFill>
                   <a:srgbClr val="282828"/>
                 </a:solidFill>
@@ -12210,7 +12314,7 @@
               <a:t> </a:t>
             </a:r>
             <a:r>
-              <a:rPr lang="en-US" sz="1500" dirty="0" err="1">
+              <a:rPr lang="en-US" sz="1500" dirty="0" err="1" smtClean="0">
                 <a:solidFill>
                   <a:srgbClr val="282828"/>
                 </a:solidFill>
@@ -12222,7 +12326,7 @@
               <a:t>untuk</a:t>
             </a:r>
             <a:r>
-              <a:rPr lang="en-US" sz="1500" dirty="0">
+              <a:rPr lang="en-US" sz="1500" dirty="0" smtClean="0">
                 <a:solidFill>
                   <a:srgbClr val="282828"/>
                 </a:solidFill>
@@ -12250,7 +12354,7 @@
               <a:buChar char="-"/>
             </a:pPr>
             <a:r>
-              <a:rPr lang="en-US" sz="1500" dirty="0" err="1">
+              <a:rPr lang="en-US" sz="1500" dirty="0" err="1" smtClean="0">
                 <a:solidFill>
                   <a:srgbClr val="282828"/>
                 </a:solidFill>
@@ -12262,7 +12366,7 @@
               <a:t>Membuat</a:t>
             </a:r>
             <a:r>
-              <a:rPr lang="en-US" sz="1500" dirty="0">
+              <a:rPr lang="en-US" sz="1500" dirty="0" smtClean="0">
                 <a:solidFill>
                   <a:srgbClr val="282828"/>
                 </a:solidFill>
@@ -12274,7 +12378,7 @@
               <a:t> variable </a:t>
             </a:r>
             <a:r>
-              <a:rPr lang="en-US" sz="1500" dirty="0" err="1">
+              <a:rPr lang="en-US" sz="1500" dirty="0" err="1" smtClean="0">
                 <a:solidFill>
                   <a:srgbClr val="282828"/>
                 </a:solidFill>
@@ -12286,7 +12390,7 @@
               <a:t>rfc</a:t>
             </a:r>
             <a:r>
-              <a:rPr lang="en-US" sz="1500" dirty="0">
+              <a:rPr lang="en-US" sz="1500" dirty="0" smtClean="0">
                 <a:solidFill>
                   <a:srgbClr val="282828"/>
                 </a:solidFill>
@@ -12298,7 +12402,7 @@
               <a:t> </a:t>
             </a:r>
             <a:r>
-              <a:rPr lang="en-US" sz="1500" dirty="0" err="1">
+              <a:rPr lang="en-US" sz="1500" dirty="0" err="1" smtClean="0">
                 <a:solidFill>
                   <a:srgbClr val="282828"/>
                 </a:solidFill>
@@ -12310,7 +12414,7 @@
               <a:t>sebagai</a:t>
             </a:r>
             <a:r>
-              <a:rPr lang="en-US" sz="1500" dirty="0">
+              <a:rPr lang="en-US" sz="1500" dirty="0" smtClean="0">
                 <a:solidFill>
                   <a:srgbClr val="282828"/>
                 </a:solidFill>
@@ -12338,7 +12442,7 @@
               <a:buChar char="-"/>
             </a:pPr>
             <a:r>
-              <a:rPr lang="en-US" sz="1500" dirty="0" err="1">
+              <a:rPr lang="en-US" sz="1500" dirty="0" err="1" smtClean="0">
                 <a:solidFill>
                   <a:srgbClr val="282828"/>
                 </a:solidFill>
@@ -12350,7 +12454,7 @@
               <a:t>Dilakukan</a:t>
             </a:r>
             <a:r>
-              <a:rPr lang="en-US" sz="1500" dirty="0">
+              <a:rPr lang="en-US" sz="1500" dirty="0" smtClean="0">
                 <a:solidFill>
                   <a:srgbClr val="282828"/>
                 </a:solidFill>
@@ -12362,7 +12466,7 @@
               <a:t> fit </a:t>
             </a:r>
             <a:r>
-              <a:rPr lang="en-US" sz="1500" dirty="0" err="1">
+              <a:rPr lang="en-US" sz="1500" dirty="0" err="1" smtClean="0">
                 <a:solidFill>
                   <a:srgbClr val="282828"/>
                 </a:solidFill>
@@ -12374,7 +12478,7 @@
               <a:t>dengan</a:t>
             </a:r>
             <a:r>
-              <a:rPr lang="en-US" sz="1500" dirty="0">
+              <a:rPr lang="en-US" sz="1500" dirty="0" smtClean="0">
                 <a:solidFill>
                   <a:srgbClr val="282828"/>
                 </a:solidFill>
@@ -12386,7 +12490,7 @@
               <a:t> model </a:t>
             </a:r>
             <a:r>
-              <a:rPr lang="en-US" sz="1500" dirty="0" err="1">
+              <a:rPr lang="en-US" sz="1500" dirty="0" err="1" smtClean="0">
                 <a:solidFill>
                   <a:srgbClr val="282828"/>
                 </a:solidFill>
@@ -12398,7 +12502,7 @@
               <a:t>rfc</a:t>
             </a:r>
             <a:r>
-              <a:rPr lang="en-US" sz="1500" dirty="0">
+              <a:rPr lang="en-US" sz="1500" dirty="0" smtClean="0">
                 <a:solidFill>
                   <a:srgbClr val="282828"/>
                 </a:solidFill>
@@ -12410,7 +12514,7 @@
               <a:t> </a:t>
             </a:r>
             <a:r>
-              <a:rPr lang="en-US" sz="1500" dirty="0" err="1">
+              <a:rPr lang="en-US" sz="1500" dirty="0" err="1" smtClean="0">
                 <a:solidFill>
                   <a:srgbClr val="282828"/>
                 </a:solidFill>
@@ -12422,7 +12526,7 @@
               <a:t>pada</a:t>
             </a:r>
             <a:r>
-              <a:rPr lang="en-US" sz="1500" dirty="0">
+              <a:rPr lang="en-US" sz="1500" dirty="0" smtClean="0">
                 <a:solidFill>
                   <a:srgbClr val="282828"/>
                 </a:solidFill>
@@ -12434,7 +12538,7 @@
               <a:t> </a:t>
             </a:r>
             <a:r>
-              <a:rPr lang="en-US" sz="1500" dirty="0" err="1">
+              <a:rPr lang="en-US" sz="1500" dirty="0" err="1" smtClean="0">
                 <a:solidFill>
                   <a:srgbClr val="282828"/>
                 </a:solidFill>
@@ -12446,7 +12550,7 @@
               <a:t>x_train</a:t>
             </a:r>
             <a:r>
-              <a:rPr lang="en-US" sz="1500" dirty="0">
+              <a:rPr lang="en-US" sz="1500" dirty="0" smtClean="0">
                 <a:solidFill>
                   <a:srgbClr val="282828"/>
                 </a:solidFill>
@@ -12458,7 +12562,7 @@
               <a:t> </a:t>
             </a:r>
             <a:r>
-              <a:rPr lang="en-US" sz="1500" dirty="0" err="1">
+              <a:rPr lang="en-US" sz="1500" dirty="0" err="1" smtClean="0">
                 <a:solidFill>
                   <a:srgbClr val="282828"/>
                 </a:solidFill>
@@ -12470,7 +12574,7 @@
               <a:t>dan</a:t>
             </a:r>
             <a:r>
-              <a:rPr lang="en-US" sz="1500" dirty="0">
+              <a:rPr lang="en-US" sz="1500" dirty="0" smtClean="0">
                 <a:solidFill>
                   <a:srgbClr val="282828"/>
                 </a:solidFill>
@@ -12482,7 +12586,7 @@
               <a:t> </a:t>
             </a:r>
             <a:r>
-              <a:rPr lang="en-US" sz="1500" dirty="0" err="1">
+              <a:rPr lang="en-US" sz="1500" dirty="0" err="1" smtClean="0">
                 <a:solidFill>
                   <a:srgbClr val="282828"/>
                 </a:solidFill>
@@ -12494,7 +12598,7 @@
               <a:t>y_train</a:t>
             </a:r>
             <a:r>
-              <a:rPr lang="en-US" sz="1500" dirty="0">
+              <a:rPr lang="en-US" sz="1500" dirty="0" smtClean="0">
                 <a:solidFill>
                   <a:srgbClr val="282828"/>
                 </a:solidFill>
@@ -12506,7 +12610,7 @@
               <a:t> </a:t>
             </a:r>
             <a:r>
-              <a:rPr lang="en-US" sz="1500" dirty="0" err="1">
+              <a:rPr lang="en-US" sz="1500" dirty="0" err="1" smtClean="0">
                 <a:solidFill>
                   <a:srgbClr val="282828"/>
                 </a:solidFill>
@@ -12518,7 +12622,7 @@
               <a:t>dan</a:t>
             </a:r>
             <a:r>
-              <a:rPr lang="en-US" sz="1500" dirty="0">
+              <a:rPr lang="en-US" sz="1500" dirty="0" smtClean="0">
                 <a:solidFill>
                   <a:srgbClr val="282828"/>
                 </a:solidFill>
@@ -12530,7 +12634,7 @@
               <a:t> </a:t>
             </a:r>
             <a:r>
-              <a:rPr lang="en-US" sz="1500" dirty="0" err="1">
+              <a:rPr lang="en-US" sz="1500" dirty="0" err="1" smtClean="0">
                 <a:solidFill>
                   <a:srgbClr val="282828"/>
                 </a:solidFill>
@@ -12542,7 +12646,7 @@
               <a:t>didapatkan</a:t>
             </a:r>
             <a:r>
-              <a:rPr lang="en-US" sz="1500" dirty="0">
+              <a:rPr lang="en-US" sz="1500" dirty="0" smtClean="0">
                 <a:solidFill>
                   <a:srgbClr val="282828"/>
                 </a:solidFill>
@@ -12554,7 +12658,7 @@
               <a:t> test accuracy </a:t>
             </a:r>
             <a:r>
-              <a:rPr lang="en-US" sz="1500" dirty="0" err="1">
+              <a:rPr lang="en-US" sz="1500" dirty="0" err="1" smtClean="0">
                 <a:solidFill>
                   <a:srgbClr val="282828"/>
                 </a:solidFill>
@@ -12566,7 +12670,7 @@
               <a:t>sebesar</a:t>
             </a:r>
             <a:r>
-              <a:rPr lang="en-US" sz="1500" dirty="0">
+              <a:rPr lang="en-US" sz="1500" dirty="0" smtClean="0">
                 <a:solidFill>
                   <a:srgbClr val="282828"/>
                 </a:solidFill>
@@ -12805,7 +12909,7 @@
               <a:buNone/>
             </a:pPr>
             <a:r>
-              <a:rPr lang="en-US" sz="2820" dirty="0">
+              <a:rPr lang="en-US" sz="2820" dirty="0" smtClean="0">
                 <a:solidFill>
                   <a:srgbClr val="A338EB"/>
                 </a:solidFill>
@@ -12961,7 +13065,7 @@
               <a:buChar char="-"/>
             </a:pPr>
             <a:r>
-              <a:rPr lang="en-US" sz="1500" dirty="0" err="1">
+              <a:rPr lang="en-US" sz="1500" dirty="0" err="1" smtClean="0">
                 <a:solidFill>
                   <a:srgbClr val="282828"/>
                 </a:solidFill>
@@ -12973,7 +13077,7 @@
               <a:t>Melakukan</a:t>
             </a:r>
             <a:r>
-              <a:rPr lang="en-US" sz="1500" dirty="0">
+              <a:rPr lang="en-US" sz="1500" dirty="0" smtClean="0">
                 <a:solidFill>
                   <a:srgbClr val="282828"/>
                 </a:solidFill>
@@ -12985,7 +13089,7 @@
               <a:t> import </a:t>
             </a:r>
             <a:r>
-              <a:rPr lang="en-US" sz="1500" dirty="0" err="1">
+              <a:rPr lang="en-US" sz="1500" dirty="0" err="1" smtClean="0">
                 <a:solidFill>
                   <a:srgbClr val="282828"/>
                 </a:solidFill>
@@ -12997,7 +13101,7 @@
               <a:t>sklearn</a:t>
             </a:r>
             <a:r>
-              <a:rPr lang="en-US" sz="1500" dirty="0">
+              <a:rPr lang="en-US" sz="1500" dirty="0" smtClean="0">
                 <a:solidFill>
                   <a:srgbClr val="282828"/>
                 </a:solidFill>
@@ -13009,7 +13113,7 @@
               <a:t> </a:t>
             </a:r>
             <a:r>
-              <a:rPr lang="en-US" sz="1500" dirty="0" err="1">
+              <a:rPr lang="en-US" sz="1500" dirty="0" err="1" smtClean="0">
                 <a:solidFill>
                   <a:srgbClr val="282828"/>
                 </a:solidFill>
@@ -13021,7 +13125,7 @@
               <a:t>untuk</a:t>
             </a:r>
             <a:r>
-              <a:rPr lang="en-US" sz="1500" dirty="0">
+              <a:rPr lang="en-US" sz="1500" dirty="0" smtClean="0">
                 <a:solidFill>
                   <a:srgbClr val="282828"/>
                 </a:solidFill>
@@ -13043,7 +13147,7 @@
               <a:buChar char="-"/>
             </a:pPr>
             <a:r>
-              <a:rPr lang="en-US" sz="1500" dirty="0" err="1">
+              <a:rPr lang="en-US" sz="1500" dirty="0" err="1" smtClean="0">
                 <a:solidFill>
                   <a:srgbClr val="282828"/>
                 </a:solidFill>
@@ -13055,6 +13159,66 @@
               <a:t>Membuat</a:t>
             </a:r>
             <a:r>
+              <a:rPr lang="en-US" sz="1500" dirty="0" smtClean="0">
+                <a:solidFill>
+                  <a:srgbClr val="282828"/>
+                </a:solidFill>
+                <a:latin typeface="Inter"/>
+                <a:ea typeface="Inter"/>
+                <a:cs typeface="Inter"/>
+                <a:sym typeface="Inter"/>
+              </a:rPr>
+              <a:t> variable </a:t>
+            </a:r>
+            <a:r>
+              <a:rPr lang="en-US" sz="1500" dirty="0" err="1" smtClean="0">
+                <a:solidFill>
+                  <a:srgbClr val="282828"/>
+                </a:solidFill>
+                <a:latin typeface="Inter"/>
+                <a:ea typeface="Inter"/>
+                <a:cs typeface="Inter"/>
+                <a:sym typeface="Inter"/>
+              </a:rPr>
+              <a:t>dtree</a:t>
+            </a:r>
+            <a:r>
+              <a:rPr lang="en-US" sz="1500" dirty="0" smtClean="0">
+                <a:solidFill>
+                  <a:srgbClr val="282828"/>
+                </a:solidFill>
+                <a:latin typeface="Inter"/>
+                <a:ea typeface="Inter"/>
+                <a:cs typeface="Inter"/>
+                <a:sym typeface="Inter"/>
+              </a:rPr>
+              <a:t> </a:t>
+            </a:r>
+            <a:r>
+              <a:rPr lang="en-US" sz="1500" dirty="0" err="1" smtClean="0">
+                <a:solidFill>
+                  <a:srgbClr val="282828"/>
+                </a:solidFill>
+                <a:latin typeface="Inter"/>
+                <a:ea typeface="Inter"/>
+                <a:cs typeface="Inter"/>
+                <a:sym typeface="Inter"/>
+              </a:rPr>
+              <a:t>sebagai</a:t>
+            </a:r>
+            <a:r>
+              <a:rPr lang="en-US" sz="1500" dirty="0" smtClean="0">
+                <a:solidFill>
+                  <a:srgbClr val="282828"/>
+                </a:solidFill>
+                <a:latin typeface="Inter"/>
+                <a:ea typeface="Inter"/>
+                <a:cs typeface="Inter"/>
+                <a:sym typeface="Inter"/>
+              </a:rPr>
+              <a:t> </a:t>
+            </a:r>
+            <a:r>
               <a:rPr lang="en-US" sz="1500" dirty="0">
                 <a:solidFill>
                   <a:srgbClr val="282828"/>
@@ -13064,55 +13228,7 @@
                 <a:cs typeface="Inter"/>
                 <a:sym typeface="Inter"/>
               </a:rPr>
-              <a:t> variable </a:t>
-            </a:r>
-            <a:r>
-              <a:rPr lang="en-US" sz="1500" dirty="0" err="1">
-                <a:solidFill>
-                  <a:srgbClr val="282828"/>
-                </a:solidFill>
-                <a:latin typeface="Inter"/>
-                <a:ea typeface="Inter"/>
-                <a:cs typeface="Inter"/>
-                <a:sym typeface="Inter"/>
-              </a:rPr>
-              <a:t>dtree</a:t>
-            </a:r>
-            <a:r>
-              <a:rPr lang="en-US" sz="1500" dirty="0">
-                <a:solidFill>
-                  <a:srgbClr val="282828"/>
-                </a:solidFill>
-                <a:latin typeface="Inter"/>
-                <a:ea typeface="Inter"/>
-                <a:cs typeface="Inter"/>
-                <a:sym typeface="Inter"/>
-              </a:rPr>
-              <a:t> </a:t>
-            </a:r>
-            <a:r>
-              <a:rPr lang="en-US" sz="1500" dirty="0" err="1">
-                <a:solidFill>
-                  <a:srgbClr val="282828"/>
-                </a:solidFill>
-                <a:latin typeface="Inter"/>
-                <a:ea typeface="Inter"/>
-                <a:cs typeface="Inter"/>
-                <a:sym typeface="Inter"/>
-              </a:rPr>
-              <a:t>sebagai</a:t>
-            </a:r>
-            <a:r>
-              <a:rPr lang="en-US" sz="1500" dirty="0">
-                <a:solidFill>
-                  <a:srgbClr val="282828"/>
-                </a:solidFill>
-                <a:latin typeface="Inter"/>
-                <a:ea typeface="Inter"/>
-                <a:cs typeface="Inter"/>
-                <a:sym typeface="Inter"/>
-              </a:rPr>
-              <a:t> Decision Tree Classifier</a:t>
+              <a:t>Decision Tree Classifier</a:t>
             </a:r>
           </a:p>
           <a:p>
@@ -13131,7 +13247,7 @@
               <a:buChar char="-"/>
             </a:pPr>
             <a:r>
-              <a:rPr lang="en-US" sz="1500" dirty="0" err="1">
+              <a:rPr lang="en-US" sz="1500" dirty="0" err="1" smtClean="0">
                 <a:solidFill>
                   <a:srgbClr val="282828"/>
                 </a:solidFill>
@@ -13143,7 +13259,7 @@
               <a:t>Dilakukan</a:t>
             </a:r>
             <a:r>
-              <a:rPr lang="en-US" sz="1500" dirty="0">
+              <a:rPr lang="en-US" sz="1500" dirty="0" smtClean="0">
                 <a:solidFill>
                   <a:srgbClr val="282828"/>
                 </a:solidFill>
@@ -13155,7 +13271,7 @@
               <a:t> fit </a:t>
             </a:r>
             <a:r>
-              <a:rPr lang="en-US" sz="1500" dirty="0" err="1">
+              <a:rPr lang="en-US" sz="1500" dirty="0" err="1" smtClean="0">
                 <a:solidFill>
                   <a:srgbClr val="282828"/>
                 </a:solidFill>
@@ -13167,7 +13283,7 @@
               <a:t>dengan</a:t>
             </a:r>
             <a:r>
-              <a:rPr lang="en-US" sz="1500" dirty="0">
+              <a:rPr lang="en-US" sz="1500" dirty="0" smtClean="0">
                 <a:solidFill>
                   <a:srgbClr val="282828"/>
                 </a:solidFill>
@@ -13179,7 +13295,7 @@
               <a:t> model </a:t>
             </a:r>
             <a:r>
-              <a:rPr lang="en-US" sz="1500" dirty="0" err="1">
+              <a:rPr lang="en-US" sz="1500" dirty="0" err="1" smtClean="0">
                 <a:solidFill>
                   <a:srgbClr val="282828"/>
                 </a:solidFill>
@@ -13191,7 +13307,7 @@
               <a:t>dtree</a:t>
             </a:r>
             <a:r>
-              <a:rPr lang="en-US" sz="1500" dirty="0">
+              <a:rPr lang="en-US" sz="1500" dirty="0" smtClean="0">
                 <a:solidFill>
                   <a:srgbClr val="282828"/>
                 </a:solidFill>
@@ -13203,7 +13319,7 @@
               <a:t> </a:t>
             </a:r>
             <a:r>
-              <a:rPr lang="en-US" sz="1500" dirty="0" err="1">
+              <a:rPr lang="en-US" sz="1500" dirty="0" err="1" smtClean="0">
                 <a:solidFill>
                   <a:srgbClr val="282828"/>
                 </a:solidFill>
@@ -13215,7 +13331,7 @@
               <a:t>pada</a:t>
             </a:r>
             <a:r>
-              <a:rPr lang="en-US" sz="1500" dirty="0">
+              <a:rPr lang="en-US" sz="1500" dirty="0" smtClean="0">
                 <a:solidFill>
                   <a:srgbClr val="282828"/>
                 </a:solidFill>
@@ -13227,7 +13343,7 @@
               <a:t> </a:t>
             </a:r>
             <a:r>
-              <a:rPr lang="en-US" sz="1500" dirty="0" err="1">
+              <a:rPr lang="en-US" sz="1500" dirty="0" err="1" smtClean="0">
                 <a:solidFill>
                   <a:srgbClr val="282828"/>
                 </a:solidFill>
@@ -13239,7 +13355,7 @@
               <a:t>x_train</a:t>
             </a:r>
             <a:r>
-              <a:rPr lang="en-US" sz="1500" dirty="0">
+              <a:rPr lang="en-US" sz="1500" dirty="0" smtClean="0">
                 <a:solidFill>
                   <a:srgbClr val="282828"/>
                 </a:solidFill>
@@ -13251,7 +13367,7 @@
               <a:t> </a:t>
             </a:r>
             <a:r>
-              <a:rPr lang="en-US" sz="1500" dirty="0" err="1">
+              <a:rPr lang="en-US" sz="1500" dirty="0" err="1" smtClean="0">
                 <a:solidFill>
                   <a:srgbClr val="282828"/>
                 </a:solidFill>
@@ -13263,7 +13379,7 @@
               <a:t>dan</a:t>
             </a:r>
             <a:r>
-              <a:rPr lang="en-US" sz="1500" dirty="0">
+              <a:rPr lang="en-US" sz="1500" dirty="0" smtClean="0">
                 <a:solidFill>
                   <a:srgbClr val="282828"/>
                 </a:solidFill>
@@ -13275,7 +13391,7 @@
               <a:t> </a:t>
             </a:r>
             <a:r>
-              <a:rPr lang="en-US" sz="1500" dirty="0" err="1">
+              <a:rPr lang="en-US" sz="1500" dirty="0" err="1" smtClean="0">
                 <a:solidFill>
                   <a:srgbClr val="282828"/>
                 </a:solidFill>
@@ -13287,7 +13403,7 @@
               <a:t>y_train</a:t>
             </a:r>
             <a:r>
-              <a:rPr lang="en-US" sz="1500" dirty="0">
+              <a:rPr lang="en-US" sz="1500" dirty="0" smtClean="0">
                 <a:solidFill>
                   <a:srgbClr val="282828"/>
                 </a:solidFill>
@@ -13299,7 +13415,7 @@
               <a:t> </a:t>
             </a:r>
             <a:r>
-              <a:rPr lang="en-US" sz="1500" dirty="0" err="1">
+              <a:rPr lang="en-US" sz="1500" dirty="0" err="1" smtClean="0">
                 <a:solidFill>
                   <a:srgbClr val="282828"/>
                 </a:solidFill>
@@ -13311,7 +13427,7 @@
               <a:t>dan</a:t>
             </a:r>
             <a:r>
-              <a:rPr lang="en-US" sz="1500" dirty="0">
+              <a:rPr lang="en-US" sz="1500" dirty="0" smtClean="0">
                 <a:solidFill>
                   <a:srgbClr val="282828"/>
                 </a:solidFill>
@@ -13323,7 +13439,7 @@
               <a:t> </a:t>
             </a:r>
             <a:r>
-              <a:rPr lang="en-US" sz="1500" dirty="0" err="1">
+              <a:rPr lang="en-US" sz="1500" dirty="0" err="1" smtClean="0">
                 <a:solidFill>
                   <a:srgbClr val="282828"/>
                 </a:solidFill>
@@ -13335,7 +13451,7 @@
               <a:t>didapatkan</a:t>
             </a:r>
             <a:r>
-              <a:rPr lang="en-US" sz="1500" dirty="0">
+              <a:rPr lang="en-US" sz="1500" dirty="0" smtClean="0">
                 <a:solidFill>
                   <a:srgbClr val="282828"/>
                 </a:solidFill>
@@ -13347,7 +13463,7 @@
               <a:t> test accuracy </a:t>
             </a:r>
             <a:r>
-              <a:rPr lang="en-US" sz="1500" dirty="0" err="1">
+              <a:rPr lang="en-US" sz="1500" dirty="0" err="1" smtClean="0">
                 <a:solidFill>
                   <a:srgbClr val="282828"/>
                 </a:solidFill>
@@ -13359,7 +13475,7 @@
               <a:t>sebesar</a:t>
             </a:r>
             <a:r>
-              <a:rPr lang="en-US" sz="1500" dirty="0">
+              <a:rPr lang="en-US" sz="1500" dirty="0" smtClean="0">
                 <a:solidFill>
                   <a:srgbClr val="282828"/>
                 </a:solidFill>
@@ -13598,7 +13714,7 @@
               <a:buNone/>
             </a:pPr>
             <a:r>
-              <a:rPr lang="en-US" sz="2820" dirty="0">
+              <a:rPr lang="en-US" sz="2820" dirty="0" smtClean="0">
                 <a:solidFill>
                   <a:srgbClr val="A338EB"/>
                 </a:solidFill>
@@ -14005,7 +14121,7 @@
               <a:buNone/>
             </a:pPr>
             <a:r>
-              <a:rPr lang="en-US" sz="2820" dirty="0">
+              <a:rPr lang="en-US" sz="2820" dirty="0" smtClean="0">
                 <a:solidFill>
                   <a:srgbClr val="A338EB"/>
                 </a:solidFill>
@@ -14337,7 +14453,7 @@
               <a:buNone/>
             </a:pPr>
             <a:r>
-              <a:rPr lang="en-US" sz="2820" dirty="0">
+              <a:rPr lang="en-US" sz="2820" dirty="0" smtClean="0">
                 <a:solidFill>
                   <a:srgbClr val="A338EB"/>
                 </a:solidFill>
@@ -14463,7 +14579,7 @@
               <a:buChar char="-"/>
             </a:pPr>
             <a:r>
-              <a:rPr lang="en-US" sz="1500" dirty="0">
+              <a:rPr lang="en-US" sz="1500" dirty="0" smtClean="0">
                 <a:solidFill>
                   <a:srgbClr val="282828"/>
                 </a:solidFill>
@@ -14771,7 +14887,7 @@
               <a:buNone/>
             </a:pPr>
             <a:r>
-              <a:rPr lang="en-US" sz="2820" dirty="0">
+              <a:rPr lang="en-US" sz="2820" dirty="0" smtClean="0">
                 <a:solidFill>
                   <a:srgbClr val="A338EB"/>
                 </a:solidFill>
@@ -14897,7 +15013,7 @@
               <a:buChar char="-"/>
             </a:pPr>
             <a:r>
-              <a:rPr lang="en-US" sz="1500" dirty="0">
+              <a:rPr lang="en-US" sz="1500" dirty="0" smtClean="0">
                 <a:solidFill>
                   <a:srgbClr val="282828"/>
                 </a:solidFill>
@@ -14923,7 +15039,7 @@
               <a:buSzPts val="1500"/>
               <a:buNone/>
             </a:pPr>
-            <a:endParaRPr lang="en-US" sz="1500" dirty="0">
+            <a:endParaRPr lang="en-US" sz="1500" dirty="0" smtClean="0">
               <a:solidFill>
                 <a:srgbClr val="282828"/>
               </a:solidFill>
@@ -15477,6 +15593,13 @@
   <p:clrMapOvr>
     <a:masterClrMapping/>
   </p:clrMapOvr>
+  <p:timing>
+    <p:tnLst>
+      <p:par>
+        <p:cTn id="1" dur="indefinite" restart="never" nodeType="tmRoot"/>
+      </p:par>
+    </p:tnLst>
+  </p:timing>
 </p:sld>
 </file>
 
@@ -15713,7 +15836,7 @@
               <a:buNone/>
             </a:pPr>
             <a:r>
-              <a:rPr lang="en-US" sz="2820" dirty="0">
+              <a:rPr lang="en-US" sz="2820" dirty="0" smtClean="0">
                 <a:solidFill>
                   <a:srgbClr val="A338EB"/>
                 </a:solidFill>
@@ -15839,7 +15962,7 @@
               <a:buChar char="-"/>
             </a:pPr>
             <a:r>
-              <a:rPr lang="en-US" sz="1500" dirty="0">
+              <a:rPr lang="en-US" sz="1500" dirty="0" smtClean="0">
                 <a:solidFill>
                   <a:srgbClr val="282828"/>
                 </a:solidFill>
@@ -15865,7 +15988,7 @@
               <a:buSzPts val="1500"/>
               <a:buNone/>
             </a:pPr>
-            <a:endParaRPr lang="en-US" sz="1500" dirty="0">
+            <a:endParaRPr lang="en-US" sz="1500" dirty="0" smtClean="0">
               <a:solidFill>
                 <a:srgbClr val="282828"/>
               </a:solidFill>
@@ -16465,6 +16588,174 @@
               <a:buNone/>
             </a:pPr>
             <a:r>
+              <a:rPr lang="en-US" sz="1500" dirty="0" smtClean="0">
+                <a:solidFill>
+                  <a:srgbClr val="282828"/>
+                </a:solidFill>
+                <a:latin typeface="Inter"/>
+                <a:ea typeface="Inter"/>
+                <a:cs typeface="Inter"/>
+                <a:sym typeface="Inter"/>
+              </a:rPr>
+              <a:t>Dari </a:t>
+            </a:r>
+            <a:r>
+              <a:rPr lang="en-US" sz="1500" dirty="0" err="1" smtClean="0">
+                <a:solidFill>
+                  <a:srgbClr val="282828"/>
+                </a:solidFill>
+                <a:latin typeface="Inter"/>
+                <a:ea typeface="Inter"/>
+                <a:cs typeface="Inter"/>
+                <a:sym typeface="Inter"/>
+              </a:rPr>
+              <a:t>analisis</a:t>
+            </a:r>
+            <a:r>
+              <a:rPr lang="en-US" sz="1500" dirty="0" smtClean="0">
+                <a:solidFill>
+                  <a:srgbClr val="282828"/>
+                </a:solidFill>
+                <a:latin typeface="Inter"/>
+                <a:ea typeface="Inter"/>
+                <a:cs typeface="Inter"/>
+                <a:sym typeface="Inter"/>
+              </a:rPr>
+              <a:t> yang </a:t>
+            </a:r>
+            <a:r>
+              <a:rPr lang="en-US" sz="1500" dirty="0" err="1" smtClean="0">
+                <a:solidFill>
+                  <a:srgbClr val="282828"/>
+                </a:solidFill>
+                <a:latin typeface="Inter"/>
+                <a:ea typeface="Inter"/>
+                <a:cs typeface="Inter"/>
+                <a:sym typeface="Inter"/>
+              </a:rPr>
+              <a:t>sudah</a:t>
+            </a:r>
+            <a:r>
+              <a:rPr lang="en-US" sz="1500" dirty="0" smtClean="0">
+                <a:solidFill>
+                  <a:srgbClr val="282828"/>
+                </a:solidFill>
+                <a:latin typeface="Inter"/>
+                <a:ea typeface="Inter"/>
+                <a:cs typeface="Inter"/>
+                <a:sym typeface="Inter"/>
+              </a:rPr>
+              <a:t> </a:t>
+            </a:r>
+            <a:r>
+              <a:rPr lang="en-US" sz="1500" dirty="0" err="1" smtClean="0">
+                <a:solidFill>
+                  <a:srgbClr val="282828"/>
+                </a:solidFill>
+                <a:latin typeface="Inter"/>
+                <a:ea typeface="Inter"/>
+                <a:cs typeface="Inter"/>
+                <a:sym typeface="Inter"/>
+              </a:rPr>
+              <a:t>dilakukan</a:t>
+            </a:r>
+            <a:r>
+              <a:rPr lang="en-US" sz="1500" dirty="0" smtClean="0">
+                <a:solidFill>
+                  <a:srgbClr val="282828"/>
+                </a:solidFill>
+                <a:latin typeface="Inter"/>
+                <a:ea typeface="Inter"/>
+                <a:cs typeface="Inter"/>
+                <a:sym typeface="Inter"/>
+              </a:rPr>
+              <a:t> </a:t>
+            </a:r>
+            <a:r>
+              <a:rPr lang="en-US" sz="1500" dirty="0" err="1" smtClean="0">
+                <a:solidFill>
+                  <a:srgbClr val="282828"/>
+                </a:solidFill>
+                <a:latin typeface="Inter"/>
+                <a:ea typeface="Inter"/>
+                <a:cs typeface="Inter"/>
+                <a:sym typeface="Inter"/>
+              </a:rPr>
+              <a:t>dapat</a:t>
+            </a:r>
+            <a:r>
+              <a:rPr lang="en-US" sz="1500" dirty="0" smtClean="0">
+                <a:solidFill>
+                  <a:srgbClr val="282828"/>
+                </a:solidFill>
+                <a:latin typeface="Inter"/>
+                <a:ea typeface="Inter"/>
+                <a:cs typeface="Inter"/>
+                <a:sym typeface="Inter"/>
+              </a:rPr>
+              <a:t> </a:t>
+            </a:r>
+            <a:r>
+              <a:rPr lang="en-US" sz="1500" dirty="0" err="1" smtClean="0">
+                <a:solidFill>
+                  <a:srgbClr val="282828"/>
+                </a:solidFill>
+                <a:latin typeface="Inter"/>
+                <a:ea typeface="Inter"/>
+                <a:cs typeface="Inter"/>
+                <a:sym typeface="Inter"/>
+              </a:rPr>
+              <a:t>diambil</a:t>
+            </a:r>
+            <a:r>
+              <a:rPr lang="en-US" sz="1500" dirty="0" smtClean="0">
+                <a:solidFill>
+                  <a:srgbClr val="282828"/>
+                </a:solidFill>
+                <a:latin typeface="Inter"/>
+                <a:ea typeface="Inter"/>
+                <a:cs typeface="Inter"/>
+                <a:sym typeface="Inter"/>
+              </a:rPr>
+              <a:t> </a:t>
+            </a:r>
+            <a:r>
+              <a:rPr lang="en-US" sz="1500" dirty="0" err="1" smtClean="0">
+                <a:solidFill>
+                  <a:srgbClr val="282828"/>
+                </a:solidFill>
+                <a:latin typeface="Inter"/>
+                <a:ea typeface="Inter"/>
+                <a:cs typeface="Inter"/>
+                <a:sym typeface="Inter"/>
+              </a:rPr>
+              <a:t>kesimpulan</a:t>
+            </a:r>
+            <a:r>
+              <a:rPr lang="en-US" sz="1500" dirty="0" smtClean="0">
+                <a:solidFill>
+                  <a:srgbClr val="282828"/>
+                </a:solidFill>
+                <a:latin typeface="Inter"/>
+                <a:ea typeface="Inter"/>
+                <a:cs typeface="Inter"/>
+                <a:sym typeface="Inter"/>
+              </a:rPr>
+              <a:t> </a:t>
+            </a:r>
+            <a:r>
+              <a:rPr lang="en-US" sz="1500" dirty="0" err="1" smtClean="0">
+                <a:solidFill>
+                  <a:srgbClr val="282828"/>
+                </a:solidFill>
+                <a:latin typeface="Inter"/>
+                <a:ea typeface="Inter"/>
+                <a:cs typeface="Inter"/>
+                <a:sym typeface="Inter"/>
+              </a:rPr>
+              <a:t>bahwa</a:t>
+            </a:r>
+            <a:r>
               <a:rPr lang="en-US" sz="1500" dirty="0">
                 <a:solidFill>
                   <a:srgbClr val="282828"/>
@@ -16474,19 +16765,617 @@
                 <a:cs typeface="Inter"/>
                 <a:sym typeface="Inter"/>
               </a:rPr>
-              <a:t>Dari </a:t>
-            </a:r>
-            <a:r>
-              <a:rPr lang="en-US" sz="1500" dirty="0" err="1">
-                <a:solidFill>
-                  <a:srgbClr val="282828"/>
-                </a:solidFill>
-                <a:latin typeface="Inter"/>
-                <a:ea typeface="Inter"/>
-                <a:cs typeface="Inter"/>
-                <a:sym typeface="Inter"/>
-              </a:rPr>
-              <a:t>analisis</a:t>
+              <a:t> </a:t>
+            </a:r>
+            <a:r>
+              <a:rPr lang="en-US" sz="1500" dirty="0" smtClean="0">
+                <a:solidFill>
+                  <a:srgbClr val="282828"/>
+                </a:solidFill>
+                <a:latin typeface="Inter"/>
+                <a:ea typeface="Inter"/>
+                <a:cs typeface="Inter"/>
+                <a:sym typeface="Inter"/>
+              </a:rPr>
+              <a:t>ram, </a:t>
+            </a:r>
+            <a:r>
+              <a:rPr lang="en-US" sz="1500" dirty="0" err="1" smtClean="0">
+                <a:solidFill>
+                  <a:srgbClr val="282828"/>
+                </a:solidFill>
+                <a:latin typeface="Inter"/>
+                <a:ea typeface="Inter"/>
+                <a:cs typeface="Inter"/>
+                <a:sym typeface="Inter"/>
+              </a:rPr>
+              <a:t>px_width</a:t>
+            </a:r>
+            <a:r>
+              <a:rPr lang="en-US" sz="1500" dirty="0" smtClean="0">
+                <a:solidFill>
+                  <a:srgbClr val="282828"/>
+                </a:solidFill>
+                <a:latin typeface="Inter"/>
+                <a:ea typeface="Inter"/>
+                <a:cs typeface="Inter"/>
+                <a:sym typeface="Inter"/>
+              </a:rPr>
+              <a:t>, </a:t>
+            </a:r>
+            <a:r>
+              <a:rPr lang="en-US" sz="1500" dirty="0" err="1" smtClean="0">
+                <a:solidFill>
+                  <a:srgbClr val="282828"/>
+                </a:solidFill>
+                <a:latin typeface="Inter"/>
+                <a:ea typeface="Inter"/>
+                <a:cs typeface="Inter"/>
+                <a:sym typeface="Inter"/>
+              </a:rPr>
+              <a:t>px_height</a:t>
+            </a:r>
+            <a:r>
+              <a:rPr lang="en-US" sz="1500" dirty="0" smtClean="0">
+                <a:solidFill>
+                  <a:srgbClr val="282828"/>
+                </a:solidFill>
+                <a:latin typeface="Inter"/>
+                <a:ea typeface="Inter"/>
+                <a:cs typeface="Inter"/>
+                <a:sym typeface="Inter"/>
+              </a:rPr>
+              <a:t>, </a:t>
+            </a:r>
+            <a:r>
+              <a:rPr lang="en-US" sz="1500" dirty="0" err="1" smtClean="0">
+                <a:solidFill>
+                  <a:srgbClr val="282828"/>
+                </a:solidFill>
+                <a:latin typeface="Inter"/>
+                <a:ea typeface="Inter"/>
+                <a:cs typeface="Inter"/>
+                <a:sym typeface="Inter"/>
+              </a:rPr>
+              <a:t>dan</a:t>
+            </a:r>
+            <a:r>
+              <a:rPr lang="en-US" sz="1500" dirty="0" smtClean="0">
+                <a:solidFill>
+                  <a:srgbClr val="282828"/>
+                </a:solidFill>
+                <a:latin typeface="Inter"/>
+                <a:ea typeface="Inter"/>
+                <a:cs typeface="Inter"/>
+                <a:sym typeface="Inter"/>
+              </a:rPr>
+              <a:t> battery power </a:t>
+            </a:r>
+            <a:r>
+              <a:rPr lang="en-US" sz="1500" dirty="0" err="1" smtClean="0">
+                <a:solidFill>
+                  <a:srgbClr val="282828"/>
+                </a:solidFill>
+                <a:latin typeface="Inter"/>
+                <a:ea typeface="Inter"/>
+                <a:cs typeface="Inter"/>
+                <a:sym typeface="Inter"/>
+              </a:rPr>
+              <a:t>dapat</a:t>
+            </a:r>
+            <a:r>
+              <a:rPr lang="en-US" sz="1500" dirty="0" smtClean="0">
+                <a:solidFill>
+                  <a:srgbClr val="282828"/>
+                </a:solidFill>
+                <a:latin typeface="Inter"/>
+                <a:ea typeface="Inter"/>
+                <a:cs typeface="Inter"/>
+                <a:sym typeface="Inter"/>
+              </a:rPr>
+              <a:t> </a:t>
+            </a:r>
+            <a:r>
+              <a:rPr lang="en-US" sz="1500" dirty="0" err="1" smtClean="0">
+                <a:solidFill>
+                  <a:srgbClr val="282828"/>
+                </a:solidFill>
+                <a:latin typeface="Inter"/>
+                <a:ea typeface="Inter"/>
+                <a:cs typeface="Inter"/>
+                <a:sym typeface="Inter"/>
+              </a:rPr>
+              <a:t>mempengaruhi</a:t>
+            </a:r>
+            <a:r>
+              <a:rPr lang="en-US" sz="1500" dirty="0" smtClean="0">
+                <a:solidFill>
+                  <a:srgbClr val="282828"/>
+                </a:solidFill>
+                <a:latin typeface="Inter"/>
+                <a:ea typeface="Inter"/>
+                <a:cs typeface="Inter"/>
+                <a:sym typeface="Inter"/>
+              </a:rPr>
+              <a:t> price range </a:t>
+            </a:r>
+            <a:r>
+              <a:rPr lang="en-US" sz="1500" dirty="0" err="1" smtClean="0">
+                <a:solidFill>
+                  <a:srgbClr val="282828"/>
+                </a:solidFill>
+                <a:latin typeface="Inter"/>
+                <a:ea typeface="Inter"/>
+                <a:cs typeface="Inter"/>
+                <a:sym typeface="Inter"/>
+              </a:rPr>
+              <a:t>dari</a:t>
+            </a:r>
+            <a:r>
+              <a:rPr lang="en-US" sz="1500" dirty="0" smtClean="0">
+                <a:solidFill>
+                  <a:srgbClr val="282828"/>
+                </a:solidFill>
+                <a:latin typeface="Inter"/>
+                <a:ea typeface="Inter"/>
+                <a:cs typeface="Inter"/>
+                <a:sym typeface="Inter"/>
+              </a:rPr>
+              <a:t> smartphone </a:t>
+            </a:r>
+            <a:r>
+              <a:rPr lang="en-US" sz="1500" dirty="0" err="1" smtClean="0">
+                <a:solidFill>
+                  <a:srgbClr val="282828"/>
+                </a:solidFill>
+                <a:latin typeface="Inter"/>
+                <a:ea typeface="Inter"/>
+                <a:cs typeface="Inter"/>
+                <a:sym typeface="Inter"/>
+              </a:rPr>
+              <a:t>terutama</a:t>
+            </a:r>
+            <a:r>
+              <a:rPr lang="en-US" sz="1500" dirty="0" smtClean="0">
+                <a:solidFill>
+                  <a:srgbClr val="282828"/>
+                </a:solidFill>
+                <a:latin typeface="Inter"/>
+                <a:ea typeface="Inter"/>
+                <a:cs typeface="Inter"/>
+                <a:sym typeface="Inter"/>
+              </a:rPr>
+              <a:t> ram yang </a:t>
+            </a:r>
+            <a:r>
+              <a:rPr lang="en-US" sz="1500" dirty="0" err="1" smtClean="0">
+                <a:solidFill>
+                  <a:srgbClr val="282828"/>
+                </a:solidFill>
+                <a:latin typeface="Inter"/>
+                <a:ea typeface="Inter"/>
+                <a:cs typeface="Inter"/>
+                <a:sym typeface="Inter"/>
+              </a:rPr>
+              <a:t>memiliki</a:t>
+            </a:r>
+            <a:r>
+              <a:rPr lang="en-US" sz="1500" dirty="0" smtClean="0">
+                <a:solidFill>
+                  <a:srgbClr val="282828"/>
+                </a:solidFill>
+                <a:latin typeface="Inter"/>
+                <a:ea typeface="Inter"/>
+                <a:cs typeface="Inter"/>
+                <a:sym typeface="Inter"/>
+              </a:rPr>
+              <a:t> </a:t>
+            </a:r>
+            <a:r>
+              <a:rPr lang="en-US" sz="1500" dirty="0" err="1" smtClean="0">
+                <a:solidFill>
+                  <a:srgbClr val="282828"/>
+                </a:solidFill>
+                <a:latin typeface="Inter"/>
+                <a:ea typeface="Inter"/>
+                <a:cs typeface="Inter"/>
+                <a:sym typeface="Inter"/>
+              </a:rPr>
+              <a:t>perbedaan</a:t>
+            </a:r>
+            <a:r>
+              <a:rPr lang="en-US" sz="1500" dirty="0" smtClean="0">
+                <a:solidFill>
+                  <a:srgbClr val="282828"/>
+                </a:solidFill>
+                <a:latin typeface="Inter"/>
+                <a:ea typeface="Inter"/>
+                <a:cs typeface="Inter"/>
+                <a:sym typeface="Inter"/>
+              </a:rPr>
+              <a:t> value </a:t>
+            </a:r>
+            <a:r>
+              <a:rPr lang="en-US" sz="1500" dirty="0" err="1" smtClean="0">
+                <a:solidFill>
+                  <a:srgbClr val="282828"/>
+                </a:solidFill>
+                <a:latin typeface="Inter"/>
+                <a:ea typeface="Inter"/>
+                <a:cs typeface="Inter"/>
+                <a:sym typeface="Inter"/>
+              </a:rPr>
+              <a:t>terbanyak</a:t>
+            </a:r>
+            <a:r>
+              <a:rPr lang="en-US" sz="1500" dirty="0" smtClean="0">
+                <a:solidFill>
+                  <a:srgbClr val="282828"/>
+                </a:solidFill>
+                <a:latin typeface="Inter"/>
+                <a:ea typeface="Inter"/>
+                <a:cs typeface="Inter"/>
+                <a:sym typeface="Inter"/>
+              </a:rPr>
+              <a:t>.</a:t>
+            </a:r>
+            <a:br>
+              <a:rPr lang="en-US" sz="1500" dirty="0" smtClean="0">
+                <a:solidFill>
+                  <a:srgbClr val="282828"/>
+                </a:solidFill>
+                <a:latin typeface="Inter"/>
+                <a:ea typeface="Inter"/>
+                <a:cs typeface="Inter"/>
+                <a:sym typeface="Inter"/>
+              </a:rPr>
+            </a:br>
+            <a:r>
+              <a:rPr lang="en-US" sz="1500" dirty="0" smtClean="0">
+                <a:solidFill>
+                  <a:srgbClr val="282828"/>
+                </a:solidFill>
+                <a:latin typeface="Inter"/>
+                <a:ea typeface="Inter"/>
+                <a:cs typeface="Inter"/>
+                <a:sym typeface="Inter"/>
+              </a:rPr>
+              <a:t/>
+            </a:r>
+            <a:br>
+              <a:rPr lang="en-US" sz="1500" dirty="0" smtClean="0">
+                <a:solidFill>
+                  <a:srgbClr val="282828"/>
+                </a:solidFill>
+                <a:latin typeface="Inter"/>
+                <a:ea typeface="Inter"/>
+                <a:cs typeface="Inter"/>
+                <a:sym typeface="Inter"/>
+              </a:rPr>
+            </a:br>
+            <a:r>
+              <a:rPr lang="en-US" sz="1500" dirty="0" err="1" smtClean="0">
+                <a:solidFill>
+                  <a:srgbClr val="282828"/>
+                </a:solidFill>
+                <a:latin typeface="Inter"/>
+                <a:ea typeface="Inter"/>
+                <a:cs typeface="Inter"/>
+                <a:sym typeface="Inter"/>
+              </a:rPr>
+              <a:t>Artinya</a:t>
+            </a:r>
+            <a:r>
+              <a:rPr lang="en-US" sz="1500" dirty="0" smtClean="0">
+                <a:solidFill>
+                  <a:srgbClr val="282828"/>
+                </a:solidFill>
+                <a:latin typeface="Inter"/>
+                <a:ea typeface="Inter"/>
+                <a:cs typeface="Inter"/>
+                <a:sym typeface="Inter"/>
+              </a:rPr>
+              <a:t>, </a:t>
+            </a:r>
+            <a:r>
+              <a:rPr lang="en-US" sz="1500" dirty="0" err="1" smtClean="0">
+                <a:solidFill>
+                  <a:srgbClr val="282828"/>
+                </a:solidFill>
+                <a:latin typeface="Inter"/>
+                <a:ea typeface="Inter"/>
+                <a:cs typeface="Inter"/>
+                <a:sym typeface="Inter"/>
+              </a:rPr>
+              <a:t>dalam</a:t>
+            </a:r>
+            <a:r>
+              <a:rPr lang="en-US" sz="1500" dirty="0" smtClean="0">
+                <a:solidFill>
+                  <a:srgbClr val="282828"/>
+                </a:solidFill>
+                <a:latin typeface="Inter"/>
+                <a:ea typeface="Inter"/>
+                <a:cs typeface="Inter"/>
+                <a:sym typeface="Inter"/>
+              </a:rPr>
+              <a:t> </a:t>
+            </a:r>
+            <a:r>
+              <a:rPr lang="en-US" sz="1500" dirty="0" err="1" smtClean="0">
+                <a:solidFill>
+                  <a:srgbClr val="282828"/>
+                </a:solidFill>
+                <a:latin typeface="Inter"/>
+                <a:ea typeface="Inter"/>
+                <a:cs typeface="Inter"/>
+                <a:sym typeface="Inter"/>
+              </a:rPr>
+              <a:t>membeli</a:t>
+            </a:r>
+            <a:r>
+              <a:rPr lang="en-US" sz="1500" dirty="0" smtClean="0">
+                <a:solidFill>
+                  <a:srgbClr val="282828"/>
+                </a:solidFill>
+                <a:latin typeface="Inter"/>
+                <a:ea typeface="Inter"/>
+                <a:cs typeface="Inter"/>
+                <a:sym typeface="Inter"/>
+              </a:rPr>
+              <a:t> smartphone </a:t>
+            </a:r>
+            <a:r>
+              <a:rPr lang="en-US" sz="1500" dirty="0" err="1" smtClean="0">
+                <a:solidFill>
+                  <a:srgbClr val="282828"/>
+                </a:solidFill>
+                <a:latin typeface="Inter"/>
+                <a:ea typeface="Inter"/>
+                <a:cs typeface="Inter"/>
+                <a:sym typeface="Inter"/>
+              </a:rPr>
+              <a:t>harus</a:t>
+            </a:r>
+            <a:r>
+              <a:rPr lang="en-US" sz="1500" dirty="0" smtClean="0">
+                <a:solidFill>
+                  <a:srgbClr val="282828"/>
+                </a:solidFill>
+                <a:latin typeface="Inter"/>
+                <a:ea typeface="Inter"/>
+                <a:cs typeface="Inter"/>
+                <a:sym typeface="Inter"/>
+              </a:rPr>
+              <a:t> </a:t>
+            </a:r>
+            <a:r>
+              <a:rPr lang="en-US" sz="1500" dirty="0" err="1" smtClean="0">
+                <a:solidFill>
+                  <a:srgbClr val="282828"/>
+                </a:solidFill>
+                <a:latin typeface="Inter"/>
+                <a:ea typeface="Inter"/>
+                <a:cs typeface="Inter"/>
+                <a:sym typeface="Inter"/>
+              </a:rPr>
+              <a:t>dapat</a:t>
+            </a:r>
+            <a:r>
+              <a:rPr lang="en-US" sz="1500" dirty="0" smtClean="0">
+                <a:solidFill>
+                  <a:srgbClr val="282828"/>
+                </a:solidFill>
+                <a:latin typeface="Inter"/>
+                <a:ea typeface="Inter"/>
+                <a:cs typeface="Inter"/>
+                <a:sym typeface="Inter"/>
+              </a:rPr>
+              <a:t> </a:t>
+            </a:r>
+            <a:r>
+              <a:rPr lang="en-US" sz="1500" dirty="0" err="1" smtClean="0">
+                <a:solidFill>
+                  <a:srgbClr val="282828"/>
+                </a:solidFill>
+                <a:latin typeface="Inter"/>
+                <a:ea typeface="Inter"/>
+                <a:cs typeface="Inter"/>
+                <a:sym typeface="Inter"/>
+              </a:rPr>
+              <a:t>memperhatikan</a:t>
+            </a:r>
+            <a:r>
+              <a:rPr lang="en-US" sz="1500" dirty="0" smtClean="0">
+                <a:solidFill>
+                  <a:srgbClr val="282828"/>
+                </a:solidFill>
+                <a:latin typeface="Inter"/>
+                <a:ea typeface="Inter"/>
+                <a:cs typeface="Inter"/>
+                <a:sym typeface="Inter"/>
+              </a:rPr>
+              <a:t> value yang </a:t>
+            </a:r>
+            <a:r>
+              <a:rPr lang="en-US" sz="1500" dirty="0" err="1" smtClean="0">
+                <a:solidFill>
+                  <a:srgbClr val="282828"/>
+                </a:solidFill>
+                <a:latin typeface="Inter"/>
+                <a:ea typeface="Inter"/>
+                <a:cs typeface="Inter"/>
+                <a:sym typeface="Inter"/>
+              </a:rPr>
+              <a:t>mempengaruhi</a:t>
+            </a:r>
+            <a:r>
+              <a:rPr lang="en-US" sz="1500" dirty="0" smtClean="0">
+                <a:solidFill>
+                  <a:srgbClr val="282828"/>
+                </a:solidFill>
+                <a:latin typeface="Inter"/>
+                <a:ea typeface="Inter"/>
+                <a:cs typeface="Inter"/>
+                <a:sym typeface="Inter"/>
+              </a:rPr>
+              <a:t> </a:t>
+            </a:r>
+            <a:r>
+              <a:rPr lang="en-US" sz="1500" dirty="0" err="1" smtClean="0">
+                <a:solidFill>
+                  <a:srgbClr val="282828"/>
+                </a:solidFill>
+                <a:latin typeface="Inter"/>
+                <a:ea typeface="Inter"/>
+                <a:cs typeface="Inter"/>
+                <a:sym typeface="Inter"/>
+              </a:rPr>
+              <a:t>harga</a:t>
+            </a:r>
+            <a:r>
+              <a:rPr lang="en-US" sz="1500" dirty="0" smtClean="0">
+                <a:solidFill>
+                  <a:srgbClr val="282828"/>
+                </a:solidFill>
+                <a:latin typeface="Inter"/>
+                <a:ea typeface="Inter"/>
+                <a:cs typeface="Inter"/>
+                <a:sym typeface="Inter"/>
+              </a:rPr>
+              <a:t> </a:t>
+            </a:r>
+            <a:r>
+              <a:rPr lang="en-US" sz="1500" dirty="0" err="1" smtClean="0">
+                <a:solidFill>
+                  <a:srgbClr val="282828"/>
+                </a:solidFill>
+                <a:latin typeface="Inter"/>
+                <a:ea typeface="Inter"/>
+                <a:cs typeface="Inter"/>
+                <a:sym typeface="Inter"/>
+              </a:rPr>
+              <a:t>terutama</a:t>
+            </a:r>
+            <a:r>
+              <a:rPr lang="en-US" sz="1500" dirty="0" smtClean="0">
+                <a:solidFill>
+                  <a:srgbClr val="282828"/>
+                </a:solidFill>
+                <a:latin typeface="Inter"/>
+                <a:ea typeface="Inter"/>
+                <a:cs typeface="Inter"/>
+                <a:sym typeface="Inter"/>
+              </a:rPr>
+              <a:t> ram </a:t>
+            </a:r>
+            <a:r>
+              <a:rPr lang="en-US" sz="1500" dirty="0" err="1" smtClean="0">
+                <a:solidFill>
+                  <a:srgbClr val="282828"/>
+                </a:solidFill>
+                <a:latin typeface="Inter"/>
+                <a:ea typeface="Inter"/>
+                <a:cs typeface="Inter"/>
+                <a:sym typeface="Inter"/>
+              </a:rPr>
+              <a:t>dengan</a:t>
+            </a:r>
+            <a:r>
+              <a:rPr lang="en-US" sz="1500" dirty="0" smtClean="0">
+                <a:solidFill>
+                  <a:srgbClr val="282828"/>
+                </a:solidFill>
+                <a:latin typeface="Inter"/>
+                <a:ea typeface="Inter"/>
+                <a:cs typeface="Inter"/>
+                <a:sym typeface="Inter"/>
+              </a:rPr>
+              <a:t> </a:t>
+            </a:r>
+            <a:r>
+              <a:rPr lang="en-US" sz="1500" dirty="0" err="1" smtClean="0">
+                <a:solidFill>
+                  <a:srgbClr val="282828"/>
+                </a:solidFill>
+                <a:latin typeface="Inter"/>
+                <a:ea typeface="Inter"/>
+                <a:cs typeface="Inter"/>
+                <a:sym typeface="Inter"/>
+              </a:rPr>
+              <a:t>tetap</a:t>
+            </a:r>
+            <a:r>
+              <a:rPr lang="en-US" sz="1500" dirty="0" smtClean="0">
+                <a:solidFill>
+                  <a:srgbClr val="282828"/>
+                </a:solidFill>
+                <a:latin typeface="Inter"/>
+                <a:ea typeface="Inter"/>
+                <a:cs typeface="Inter"/>
+                <a:sym typeface="Inter"/>
+              </a:rPr>
+              <a:t> </a:t>
+            </a:r>
+            <a:r>
+              <a:rPr lang="en-US" sz="1500" dirty="0" err="1" smtClean="0">
+                <a:solidFill>
+                  <a:srgbClr val="282828"/>
+                </a:solidFill>
+                <a:latin typeface="Inter"/>
+                <a:ea typeface="Inter"/>
+                <a:cs typeface="Inter"/>
+                <a:sym typeface="Inter"/>
+              </a:rPr>
+              <a:t>mendapatkan</a:t>
+            </a:r>
+            <a:r>
+              <a:rPr lang="en-US" sz="1500" dirty="0" smtClean="0">
+                <a:solidFill>
+                  <a:srgbClr val="282828"/>
+                </a:solidFill>
+                <a:latin typeface="Inter"/>
+                <a:ea typeface="Inter"/>
+                <a:cs typeface="Inter"/>
+                <a:sym typeface="Inter"/>
+              </a:rPr>
+              <a:t> </a:t>
+            </a:r>
+            <a:r>
+              <a:rPr lang="en-US" sz="1500" dirty="0" err="1" smtClean="0">
+                <a:solidFill>
+                  <a:srgbClr val="282828"/>
+                </a:solidFill>
+                <a:latin typeface="Inter"/>
+                <a:ea typeface="Inter"/>
+                <a:cs typeface="Inter"/>
+                <a:sym typeface="Inter"/>
+              </a:rPr>
+              <a:t>spesifikasi</a:t>
+            </a:r>
+            <a:r>
+              <a:rPr lang="en-US" sz="1500" dirty="0" smtClean="0">
+                <a:solidFill>
+                  <a:srgbClr val="282828"/>
+                </a:solidFill>
+                <a:latin typeface="Inter"/>
+                <a:ea typeface="Inter"/>
+                <a:cs typeface="Inter"/>
+                <a:sym typeface="Inter"/>
+              </a:rPr>
+              <a:t> </a:t>
+            </a:r>
+            <a:r>
+              <a:rPr lang="en-US" sz="1500" dirty="0" err="1" smtClean="0">
+                <a:solidFill>
+                  <a:srgbClr val="282828"/>
+                </a:solidFill>
+                <a:latin typeface="Inter"/>
+                <a:ea typeface="Inter"/>
+                <a:cs typeface="Inter"/>
+                <a:sym typeface="Inter"/>
+              </a:rPr>
+              <a:t>lainnya</a:t>
             </a:r>
             <a:r>
               <a:rPr lang="en-US" sz="1500" dirty="0">
@@ -16498,46 +17387,22 @@
                 <a:cs typeface="Inter"/>
                 <a:sym typeface="Inter"/>
               </a:rPr>
-              <a:t> yang </a:t>
-            </a:r>
-            <a:r>
-              <a:rPr lang="en-US" sz="1500" dirty="0" err="1">
-                <a:solidFill>
-                  <a:srgbClr val="282828"/>
-                </a:solidFill>
-                <a:latin typeface="Inter"/>
-                <a:ea typeface="Inter"/>
-                <a:cs typeface="Inter"/>
-                <a:sym typeface="Inter"/>
-              </a:rPr>
-              <a:t>sudah</a:t>
-            </a:r>
-            <a:r>
-              <a:rPr lang="en-US" sz="1500" dirty="0">
-                <a:solidFill>
-                  <a:srgbClr val="282828"/>
-                </a:solidFill>
-                <a:latin typeface="Inter"/>
-                <a:ea typeface="Inter"/>
-                <a:cs typeface="Inter"/>
-                <a:sym typeface="Inter"/>
-              </a:rPr>
               <a:t> </a:t>
             </a:r>
             <a:r>
-              <a:rPr lang="en-US" sz="1500" dirty="0" err="1">
-                <a:solidFill>
-                  <a:srgbClr val="282828"/>
-                </a:solidFill>
-                <a:latin typeface="Inter"/>
-                <a:ea typeface="Inter"/>
-                <a:cs typeface="Inter"/>
-                <a:sym typeface="Inter"/>
-              </a:rPr>
-              <a:t>dilakukan</a:t>
-            </a:r>
-            <a:r>
-              <a:rPr lang="en-US" sz="1500" dirty="0">
+              <a:rPr lang="en-US" sz="1500" dirty="0" err="1" smtClean="0">
+                <a:solidFill>
+                  <a:srgbClr val="282828"/>
+                </a:solidFill>
+                <a:latin typeface="Inter"/>
+                <a:ea typeface="Inter"/>
+                <a:cs typeface="Inter"/>
+                <a:sym typeface="Inter"/>
+              </a:rPr>
+              <a:t>sehingga</a:t>
+            </a:r>
+            <a:r>
+              <a:rPr lang="en-US" sz="1500" dirty="0" smtClean="0">
                 <a:solidFill>
                   <a:srgbClr val="282828"/>
                 </a:solidFill>
@@ -16549,19 +17414,43 @@
               <a:t> </a:t>
             </a:r>
             <a:r>
-              <a:rPr lang="en-US" sz="1500" dirty="0" err="1">
-                <a:solidFill>
-                  <a:srgbClr val="282828"/>
-                </a:solidFill>
-                <a:latin typeface="Inter"/>
-                <a:ea typeface="Inter"/>
-                <a:cs typeface="Inter"/>
-                <a:sym typeface="Inter"/>
-              </a:rPr>
-              <a:t>dapat</a:t>
-            </a:r>
-            <a:r>
-              <a:rPr lang="en-US" sz="1500" dirty="0">
+              <a:rPr lang="en-US" sz="1500" dirty="0" err="1" smtClean="0">
+                <a:solidFill>
+                  <a:srgbClr val="282828"/>
+                </a:solidFill>
+                <a:latin typeface="Inter"/>
+                <a:ea typeface="Inter"/>
+                <a:cs typeface="Inter"/>
+                <a:sym typeface="Inter"/>
+              </a:rPr>
+              <a:t>didapatkan</a:t>
+            </a:r>
+            <a:r>
+              <a:rPr lang="en-US" sz="1500" dirty="0" smtClean="0">
+                <a:solidFill>
+                  <a:srgbClr val="282828"/>
+                </a:solidFill>
+                <a:latin typeface="Inter"/>
+                <a:ea typeface="Inter"/>
+                <a:cs typeface="Inter"/>
+                <a:sym typeface="Inter"/>
+              </a:rPr>
+              <a:t> smartphone </a:t>
+            </a:r>
+            <a:r>
+              <a:rPr lang="en-US" sz="1500" dirty="0" err="1" smtClean="0">
+                <a:solidFill>
+                  <a:srgbClr val="282828"/>
+                </a:solidFill>
+                <a:latin typeface="Inter"/>
+                <a:ea typeface="Inter"/>
+                <a:cs typeface="Inter"/>
+                <a:sym typeface="Inter"/>
+              </a:rPr>
+              <a:t>dengan</a:t>
+            </a:r>
+            <a:r>
+              <a:rPr lang="en-US" sz="1500" dirty="0" smtClean="0">
                 <a:solidFill>
                   <a:srgbClr val="282828"/>
                 </a:solidFill>
@@ -16573,19 +17462,19 @@
               <a:t> </a:t>
             </a:r>
             <a:r>
-              <a:rPr lang="en-US" sz="1500" dirty="0" err="1">
-                <a:solidFill>
-                  <a:srgbClr val="282828"/>
-                </a:solidFill>
-                <a:latin typeface="Inter"/>
-                <a:ea typeface="Inter"/>
-                <a:cs typeface="Inter"/>
-                <a:sym typeface="Inter"/>
-              </a:rPr>
-              <a:t>diambil</a:t>
-            </a:r>
-            <a:r>
-              <a:rPr lang="en-US" sz="1500" dirty="0">
+              <a:rPr lang="en-US" sz="1500" dirty="0" err="1" smtClean="0">
+                <a:solidFill>
+                  <a:srgbClr val="282828"/>
+                </a:solidFill>
+                <a:latin typeface="Inter"/>
+                <a:ea typeface="Inter"/>
+                <a:cs typeface="Inter"/>
+                <a:sym typeface="Inter"/>
+              </a:rPr>
+              <a:t>spesifikasi</a:t>
+            </a:r>
+            <a:r>
+              <a:rPr lang="en-US" sz="1500" dirty="0" smtClean="0">
                 <a:solidFill>
                   <a:srgbClr val="282828"/>
                 </a:solidFill>
@@ -16597,283 +17486,19 @@
               <a:t> </a:t>
             </a:r>
             <a:r>
-              <a:rPr lang="en-US" sz="1500" dirty="0" err="1">
-                <a:solidFill>
-                  <a:srgbClr val="282828"/>
-                </a:solidFill>
-                <a:latin typeface="Inter"/>
-                <a:ea typeface="Inter"/>
-                <a:cs typeface="Inter"/>
-                <a:sym typeface="Inter"/>
-              </a:rPr>
-              <a:t>kesimpulan</a:t>
-            </a:r>
-            <a:r>
-              <a:rPr lang="en-US" sz="1500" dirty="0">
-                <a:solidFill>
-                  <a:srgbClr val="282828"/>
-                </a:solidFill>
-                <a:latin typeface="Inter"/>
-                <a:ea typeface="Inter"/>
-                <a:cs typeface="Inter"/>
-                <a:sym typeface="Inter"/>
-              </a:rPr>
-              <a:t> </a:t>
-            </a:r>
-            <a:r>
-              <a:rPr lang="en-US" sz="1500" dirty="0" err="1">
-                <a:solidFill>
-                  <a:srgbClr val="282828"/>
-                </a:solidFill>
-                <a:latin typeface="Inter"/>
-                <a:ea typeface="Inter"/>
-                <a:cs typeface="Inter"/>
-                <a:sym typeface="Inter"/>
-              </a:rPr>
-              <a:t>bahwa</a:t>
-            </a:r>
-            <a:r>
-              <a:rPr lang="en-US" sz="1500" dirty="0">
-                <a:solidFill>
-                  <a:srgbClr val="282828"/>
-                </a:solidFill>
-                <a:latin typeface="Inter"/>
-                <a:ea typeface="Inter"/>
-                <a:cs typeface="Inter"/>
-                <a:sym typeface="Inter"/>
-              </a:rPr>
-              <a:t> ram, </a:t>
-            </a:r>
-            <a:r>
-              <a:rPr lang="en-US" sz="1500" dirty="0" err="1">
-                <a:solidFill>
-                  <a:srgbClr val="282828"/>
-                </a:solidFill>
-                <a:latin typeface="Inter"/>
-                <a:ea typeface="Inter"/>
-                <a:cs typeface="Inter"/>
-                <a:sym typeface="Inter"/>
-              </a:rPr>
-              <a:t>px_width</a:t>
-            </a:r>
-            <a:r>
-              <a:rPr lang="en-US" sz="1500" dirty="0">
-                <a:solidFill>
-                  <a:srgbClr val="282828"/>
-                </a:solidFill>
-                <a:latin typeface="Inter"/>
-                <a:ea typeface="Inter"/>
-                <a:cs typeface="Inter"/>
-                <a:sym typeface="Inter"/>
-              </a:rPr>
-              <a:t>, </a:t>
-            </a:r>
-            <a:r>
-              <a:rPr lang="en-US" sz="1500" dirty="0" err="1">
-                <a:solidFill>
-                  <a:srgbClr val="282828"/>
-                </a:solidFill>
-                <a:latin typeface="Inter"/>
-                <a:ea typeface="Inter"/>
-                <a:cs typeface="Inter"/>
-                <a:sym typeface="Inter"/>
-              </a:rPr>
-              <a:t>px_height</a:t>
-            </a:r>
-            <a:r>
-              <a:rPr lang="en-US" sz="1500" dirty="0">
-                <a:solidFill>
-                  <a:srgbClr val="282828"/>
-                </a:solidFill>
-                <a:latin typeface="Inter"/>
-                <a:ea typeface="Inter"/>
-                <a:cs typeface="Inter"/>
-                <a:sym typeface="Inter"/>
-              </a:rPr>
-              <a:t>, </a:t>
-            </a:r>
-            <a:r>
-              <a:rPr lang="en-US" sz="1500" dirty="0" err="1">
-                <a:solidFill>
-                  <a:srgbClr val="282828"/>
-                </a:solidFill>
-                <a:latin typeface="Inter"/>
-                <a:ea typeface="Inter"/>
-                <a:cs typeface="Inter"/>
-                <a:sym typeface="Inter"/>
-              </a:rPr>
-              <a:t>dan</a:t>
-            </a:r>
-            <a:r>
-              <a:rPr lang="en-US" sz="1500" dirty="0">
-                <a:solidFill>
-                  <a:srgbClr val="282828"/>
-                </a:solidFill>
-                <a:latin typeface="Inter"/>
-                <a:ea typeface="Inter"/>
-                <a:cs typeface="Inter"/>
-                <a:sym typeface="Inter"/>
-              </a:rPr>
-              <a:t> battery power </a:t>
-            </a:r>
-            <a:r>
-              <a:rPr lang="en-US" sz="1500" dirty="0" err="1">
-                <a:solidFill>
-                  <a:srgbClr val="282828"/>
-                </a:solidFill>
-                <a:latin typeface="Inter"/>
-                <a:ea typeface="Inter"/>
-                <a:cs typeface="Inter"/>
-                <a:sym typeface="Inter"/>
-              </a:rPr>
-              <a:t>dapat</a:t>
-            </a:r>
-            <a:r>
-              <a:rPr lang="en-US" sz="1500" dirty="0">
-                <a:solidFill>
-                  <a:srgbClr val="282828"/>
-                </a:solidFill>
-                <a:latin typeface="Inter"/>
-                <a:ea typeface="Inter"/>
-                <a:cs typeface="Inter"/>
-                <a:sym typeface="Inter"/>
-              </a:rPr>
-              <a:t> </a:t>
-            </a:r>
-            <a:r>
-              <a:rPr lang="en-US" sz="1500" dirty="0" err="1">
-                <a:solidFill>
-                  <a:srgbClr val="282828"/>
-                </a:solidFill>
-                <a:latin typeface="Inter"/>
-                <a:ea typeface="Inter"/>
-                <a:cs typeface="Inter"/>
-                <a:sym typeface="Inter"/>
-              </a:rPr>
-              <a:t>mempengaruhi</a:t>
-            </a:r>
-            <a:r>
-              <a:rPr lang="en-US" sz="1500" dirty="0">
-                <a:solidFill>
-                  <a:srgbClr val="282828"/>
-                </a:solidFill>
-                <a:latin typeface="Inter"/>
-                <a:ea typeface="Inter"/>
-                <a:cs typeface="Inter"/>
-                <a:sym typeface="Inter"/>
-              </a:rPr>
-              <a:t> price range </a:t>
-            </a:r>
-            <a:r>
-              <a:rPr lang="en-US" sz="1500" dirty="0" err="1">
-                <a:solidFill>
-                  <a:srgbClr val="282828"/>
-                </a:solidFill>
-                <a:latin typeface="Inter"/>
-                <a:ea typeface="Inter"/>
-                <a:cs typeface="Inter"/>
-                <a:sym typeface="Inter"/>
-              </a:rPr>
-              <a:t>dari</a:t>
-            </a:r>
-            <a:r>
-              <a:rPr lang="en-US" sz="1500" dirty="0">
-                <a:solidFill>
-                  <a:srgbClr val="282828"/>
-                </a:solidFill>
-                <a:latin typeface="Inter"/>
-                <a:ea typeface="Inter"/>
-                <a:cs typeface="Inter"/>
-                <a:sym typeface="Inter"/>
-              </a:rPr>
-              <a:t> smartphone </a:t>
-            </a:r>
-            <a:r>
-              <a:rPr lang="en-US" sz="1500" dirty="0" err="1">
-                <a:solidFill>
-                  <a:srgbClr val="282828"/>
-                </a:solidFill>
-                <a:latin typeface="Inter"/>
-                <a:ea typeface="Inter"/>
-                <a:cs typeface="Inter"/>
-                <a:sym typeface="Inter"/>
-              </a:rPr>
-              <a:t>terutama</a:t>
-            </a:r>
-            <a:r>
-              <a:rPr lang="en-US" sz="1500" dirty="0">
-                <a:solidFill>
-                  <a:srgbClr val="282828"/>
-                </a:solidFill>
-                <a:latin typeface="Inter"/>
-                <a:ea typeface="Inter"/>
-                <a:cs typeface="Inter"/>
-                <a:sym typeface="Inter"/>
-              </a:rPr>
-              <a:t> ram yang </a:t>
-            </a:r>
-            <a:r>
-              <a:rPr lang="en-US" sz="1500" dirty="0" err="1">
-                <a:solidFill>
-                  <a:srgbClr val="282828"/>
-                </a:solidFill>
-                <a:latin typeface="Inter"/>
-                <a:ea typeface="Inter"/>
-                <a:cs typeface="Inter"/>
-                <a:sym typeface="Inter"/>
-              </a:rPr>
-              <a:t>memiliki</a:t>
-            </a:r>
-            <a:r>
-              <a:rPr lang="en-US" sz="1500" dirty="0">
-                <a:solidFill>
-                  <a:srgbClr val="282828"/>
-                </a:solidFill>
-                <a:latin typeface="Inter"/>
-                <a:ea typeface="Inter"/>
-                <a:cs typeface="Inter"/>
-                <a:sym typeface="Inter"/>
-              </a:rPr>
-              <a:t> </a:t>
-            </a:r>
-            <a:r>
-              <a:rPr lang="en-US" sz="1500" dirty="0" err="1">
-                <a:solidFill>
-                  <a:srgbClr val="282828"/>
-                </a:solidFill>
-                <a:latin typeface="Inter"/>
-                <a:ea typeface="Inter"/>
-                <a:cs typeface="Inter"/>
-                <a:sym typeface="Inter"/>
-              </a:rPr>
-              <a:t>perbedaan</a:t>
-            </a:r>
-            <a:r>
-              <a:rPr lang="en-US" sz="1500" dirty="0">
-                <a:solidFill>
-                  <a:srgbClr val="282828"/>
-                </a:solidFill>
-                <a:latin typeface="Inter"/>
-                <a:ea typeface="Inter"/>
-                <a:cs typeface="Inter"/>
-                <a:sym typeface="Inter"/>
-              </a:rPr>
-              <a:t> value </a:t>
-            </a:r>
-            <a:r>
-              <a:rPr lang="en-US" sz="1500" dirty="0" err="1">
-                <a:solidFill>
-                  <a:srgbClr val="282828"/>
-                </a:solidFill>
-                <a:latin typeface="Inter"/>
-                <a:ea typeface="Inter"/>
-                <a:cs typeface="Inter"/>
-                <a:sym typeface="Inter"/>
-              </a:rPr>
-              <a:t>terbanyak</a:t>
-            </a:r>
-            <a:r>
-              <a:rPr lang="en-US" sz="1500">
+              <a:rPr lang="en-US" sz="1500" dirty="0" err="1" smtClean="0">
+                <a:solidFill>
+                  <a:srgbClr val="282828"/>
+                </a:solidFill>
+                <a:latin typeface="Inter"/>
+                <a:ea typeface="Inter"/>
+                <a:cs typeface="Inter"/>
+                <a:sym typeface="Inter"/>
+              </a:rPr>
+              <a:t>maksimal</a:t>
+            </a:r>
+            <a:r>
+              <a:rPr lang="en-US" sz="1500" dirty="0" smtClean="0">
                 <a:solidFill>
                   <a:srgbClr val="282828"/>
                 </a:solidFill>
@@ -16884,7 +17509,18 @@
               </a:rPr>
               <a:t>.</a:t>
             </a:r>
-            <a:endParaRPr sz="1500" dirty="0">
+          </a:p>
+          <a:p>
+            <a:pPr marL="0" lvl="0" indent="0" algn="l" rtl="0">
+              <a:spcBef>
+                <a:spcPts val="0"/>
+              </a:spcBef>
+              <a:spcAft>
+                <a:spcPts val="0"/>
+              </a:spcAft>
+              <a:buNone/>
+            </a:pPr>
+            <a:endParaRPr lang="en-US" sz="1500" dirty="0">
               <a:solidFill>
                 <a:srgbClr val="282828"/>
               </a:solidFill>
@@ -17191,6 +17827,13 @@
   <p:clrMapOvr>
     <a:masterClrMapping/>
   </p:clrMapOvr>
+  <p:timing>
+    <p:tnLst>
+      <p:par>
+        <p:cTn id="1" dur="indefinite" restart="never" nodeType="tmRoot"/>
+      </p:par>
+    </p:tnLst>
+  </p:timing>
 </p:sld>
 </file>
 
@@ -17415,6 +18058,13 @@
   <p:clrMapOvr>
     <a:masterClrMapping/>
   </p:clrMapOvr>
+  <p:timing>
+    <p:tnLst>
+      <p:par>
+        <p:cTn id="1" dur="indefinite" restart="never" nodeType="tmRoot"/>
+      </p:par>
+    </p:tnLst>
+  </p:timing>
 </p:sld>
 </file>
 
@@ -17890,6 +18540,13 @@
   <p:clrMapOvr>
     <a:masterClrMapping/>
   </p:clrMapOvr>
+  <p:timing>
+    <p:tnLst>
+      <p:par>
+        <p:cTn id="1" dur="indefinite" restart="never" nodeType="tmRoot"/>
+      </p:par>
+    </p:tnLst>
+  </p:timing>
 </p:sld>
 </file>
 
@@ -18155,7 +18812,7 @@
               <a:t> </a:t>
             </a:r>
             <a:r>
-              <a:rPr lang="en-US" sz="1500" dirty="0" err="1">
+              <a:rPr lang="en-US" sz="1500" dirty="0" err="1" smtClean="0">
                 <a:solidFill>
                   <a:srgbClr val="282828"/>
                 </a:solidFill>
@@ -18167,7 +18824,7 @@
               <a:t>spesifikasi</a:t>
             </a:r>
             <a:r>
-              <a:rPr lang="en-US" sz="1500" dirty="0">
+              <a:rPr lang="en-US" sz="1500" dirty="0" smtClean="0">
                 <a:solidFill>
                   <a:srgbClr val="282828"/>
                 </a:solidFill>
@@ -18179,7 +18836,7 @@
               <a:t> </a:t>
             </a:r>
             <a:r>
-              <a:rPr lang="en-US" sz="1500" dirty="0" err="1">
+              <a:rPr lang="en-US" sz="1500" dirty="0" err="1" smtClean="0">
                 <a:solidFill>
                   <a:srgbClr val="282828"/>
                 </a:solidFill>
@@ -18191,7 +18848,7 @@
               <a:t>terhadap</a:t>
             </a:r>
             <a:r>
-              <a:rPr lang="en-US" sz="1500" dirty="0">
+              <a:rPr lang="en-US" sz="1500" dirty="0" smtClean="0">
                 <a:solidFill>
                   <a:srgbClr val="282828"/>
                 </a:solidFill>
@@ -18203,7 +18860,7 @@
               <a:t> </a:t>
             </a:r>
             <a:r>
-              <a:rPr lang="en-US" sz="1500" dirty="0" err="1">
+              <a:rPr lang="en-US" sz="1500" dirty="0" err="1" smtClean="0">
                 <a:solidFill>
                   <a:srgbClr val="282828"/>
                 </a:solidFill>
@@ -18215,7 +18872,7 @@
               <a:t>harga</a:t>
             </a:r>
             <a:r>
-              <a:rPr lang="en-US" sz="1500" dirty="0">
+              <a:rPr lang="en-US" sz="1500" dirty="0" smtClean="0">
                 <a:solidFill>
                   <a:srgbClr val="282828"/>
                 </a:solidFill>
@@ -18459,7 +19116,7 @@
               <a:t>smartphone</a:t>
             </a:r>
             <a:r>
-              <a:rPr lang="en-US" sz="1500" dirty="0">
+              <a:rPr lang="en-US" sz="1500" dirty="0" smtClean="0">
                 <a:solidFill>
                   <a:srgbClr val="282828"/>
                 </a:solidFill>
@@ -18475,29 +19132,6 @@
               <a:latin typeface="Verdana" panose="020B0604030504040204" pitchFamily="34" charset="0"/>
               <a:ea typeface="Verdana" panose="020B0604030504040204" pitchFamily="34" charset="0"/>
               <a:cs typeface="Verdana" panose="020B0604030504040204" pitchFamily="34" charset="0"/>
-            </a:endParaRPr>
-          </a:p>
-          <a:p>
-            <a:pPr marL="0" lvl="0" indent="0" algn="l" rtl="0">
-              <a:lnSpc>
-                <a:spcPct val="115000"/>
-              </a:lnSpc>
-              <a:spcBef>
-                <a:spcPts val="1000"/>
-              </a:spcBef>
-              <a:spcAft>
-                <a:spcPts val="1000"/>
-              </a:spcAft>
-              <a:buNone/>
-            </a:pPr>
-            <a:endParaRPr sz="1500" dirty="0">
-              <a:solidFill>
-                <a:srgbClr val="282828"/>
-              </a:solidFill>
-              <a:latin typeface="Inter"/>
-              <a:ea typeface="Inter"/>
-              <a:cs typeface="Inter"/>
-              <a:sym typeface="Inter"/>
             </a:endParaRPr>
           </a:p>
         </p:txBody>
@@ -18809,6 +19443,13 @@
   <p:clrMapOvr>
     <a:masterClrMapping/>
   </p:clrMapOvr>
+  <p:timing>
+    <p:tnLst>
+      <p:par>
+        <p:cTn id="1" dur="indefinite" restart="never" nodeType="tmRoot"/>
+      </p:par>
+    </p:tnLst>
+  </p:timing>
 </p:sld>
 </file>
 
@@ -19284,6 +19925,13 @@
   <p:clrMapOvr>
     <a:masterClrMapping/>
   </p:clrMapOvr>
+  <p:timing>
+    <p:tnLst>
+      <p:par>
+        <p:cTn id="1" dur="indefinite" restart="never" nodeType="tmRoot"/>
+      </p:par>
+    </p:tnLst>
+  </p:timing>
 </p:sld>
 </file>
 
@@ -20495,6 +21143,13 @@
   <p:clrMapOvr>
     <a:masterClrMapping/>
   </p:clrMapOvr>
+  <p:timing>
+    <p:tnLst>
+      <p:par>
+        <p:cTn id="1" dur="indefinite" restart="never" nodeType="tmRoot"/>
+      </p:par>
+    </p:tnLst>
+  </p:timing>
 </p:sld>
 </file>
 
@@ -21293,6 +21948,13 @@
   <p:clrMapOvr>
     <a:masterClrMapping/>
   </p:clrMapOvr>
+  <p:timing>
+    <p:tnLst>
+      <p:par>
+        <p:cTn id="1" dur="indefinite" restart="never" nodeType="tmRoot"/>
+      </p:par>
+    </p:tnLst>
+  </p:timing>
 </p:sld>
 </file>
 
@@ -21710,6 +22372,13 @@
   <p:clrMapOvr>
     <a:masterClrMapping/>
   </p:clrMapOvr>
+  <p:timing>
+    <p:tnLst>
+      <p:par>
+        <p:cTn id="1" dur="indefinite" restart="never" nodeType="tmRoot"/>
+      </p:par>
+    </p:tnLst>
+  </p:timing>
 </p:sld>
 </file>
 
@@ -22142,7 +22811,7 @@
               <a:buNone/>
             </a:pPr>
             <a:r>
-              <a:rPr lang="en-US" sz="1800" dirty="0">
+              <a:rPr lang="en-US" sz="1800" dirty="0" smtClean="0">
                 <a:solidFill>
                   <a:srgbClr val="282828"/>
                 </a:solidFill>
@@ -22172,6 +22841,13 @@
   <p:clrMapOvr>
     <a:masterClrMapping/>
   </p:clrMapOvr>
+  <p:timing>
+    <p:tnLst>
+      <p:par>
+        <p:cTn id="1" dur="indefinite" restart="never" nodeType="tmRoot"/>
+      </p:par>
+    </p:tnLst>
+  </p:timing>
 </p:sld>
 </file>
 
